--- a/guitarifficWS/Guitariffic Presentation.pptx
+++ b/guitarifficWS/Guitariffic Presentation.pptx
@@ -5,37 +5,23 @@
     <p:sldMasterId id="2147483648" r:id="rId1"/>
   </p:sldMasterIdLst>
   <p:notesMasterIdLst>
-    <p:notesMasterId r:id="rId12"/>
+    <p:notesMasterId r:id="rId13"/>
   </p:notesMasterIdLst>
   <p:sldIdLst>
     <p:sldId id="256" r:id="rId2"/>
     <p:sldId id="257" r:id="rId3"/>
-    <p:sldId id="258" r:id="rId4"/>
-    <p:sldId id="259" r:id="rId5"/>
-    <p:sldId id="260" r:id="rId6"/>
-    <p:sldId id="261" r:id="rId7"/>
-    <p:sldId id="262" r:id="rId8"/>
+    <p:sldId id="266" r:id="rId4"/>
+    <p:sldId id="258" r:id="rId5"/>
+    <p:sldId id="259" r:id="rId6"/>
+    <p:sldId id="260" r:id="rId7"/>
+    <p:sldId id="261" r:id="rId8"/>
     <p:sldId id="263" r:id="rId9"/>
-    <p:sldId id="264" r:id="rId10"/>
-    <p:sldId id="265" r:id="rId11"/>
+    <p:sldId id="262" r:id="rId10"/>
+    <p:sldId id="267" r:id="rId11"/>
+    <p:sldId id="265" r:id="rId12"/>
   </p:sldIdLst>
   <p:sldSz cx="9144000" cy="6858000" type="screen4x3"/>
   <p:notesSz cx="6858000" cy="9144000"/>
-  <p:embeddedFontLst>
-    <p:embeddedFont>
-      <p:font typeface="GE Inspira Pitch" panose="020F0603030400020203" pitchFamily="34" charset="0"/>
-      <p:regular r:id="rId13"/>
-      <p:bold r:id="rId14"/>
-      <p:italic r:id="rId15"/>
-    </p:embeddedFont>
-    <p:embeddedFont>
-      <p:font typeface="Calibri" panose="020F0502020204030204" pitchFamily="34" charset="0"/>
-      <p:regular r:id="rId16"/>
-      <p:bold r:id="rId17"/>
-      <p:italic r:id="rId18"/>
-      <p:boldItalic r:id="rId19"/>
-    </p:embeddedFont>
-  </p:embeddedFontLst>
   <p:defaultTextStyle>
     <a:defPPr>
       <a:defRPr lang="en-US"/>
@@ -138,13 +124,14 @@
           <p14:sldIdLst>
             <p14:sldId id="256"/>
             <p14:sldId id="257"/>
+            <p14:sldId id="266"/>
             <p14:sldId id="258"/>
             <p14:sldId id="259"/>
             <p14:sldId id="260"/>
             <p14:sldId id="261"/>
+            <p14:sldId id="263"/>
             <p14:sldId id="262"/>
-            <p14:sldId id="263"/>
-            <p14:sldId id="264"/>
+            <p14:sldId id="267"/>
             <p14:sldId id="265"/>
           </p14:sldIdLst>
         </p14:section>
@@ -236,7 +223,7 @@
           <a:p>
             <a:fld id="{8BD53671-9583-4283-9E9C-4743B442819A}" type="datetimeFigureOut">
               <a:rPr lang="en-US" smtClean="0"/>
-              <a:t>4/21/2014</a:t>
+              <a:t>4/24/14</a:t>
             </a:fld>
             <a:endParaRPr lang="en-US"/>
           </a:p>
@@ -1519,7 +1506,7 @@
   <p:timing>
     <p:tnLst>
       <p:par>
-        <p:cTn id="1" dur="indefinite" restart="never" nodeType="tmRoot"/>
+        <p:cTn xmlns:p14="http://schemas.microsoft.com/office/powerpoint/2010/main" id="1" dur="indefinite" restart="never" nodeType="tmRoot"/>
       </p:par>
     </p:tnLst>
   </p:timing>
@@ -3242,7 +3229,7 @@
   <p:timing>
     <p:tnLst>
       <p:par>
-        <p:cTn id="1" dur="indefinite" restart="never" nodeType="tmRoot"/>
+        <p:cTn xmlns:p14="http://schemas.microsoft.com/office/powerpoint/2010/main" id="1" dur="indefinite" restart="never" nodeType="tmRoot"/>
       </p:par>
     </p:tnLst>
   </p:timing>
@@ -3617,7 +3604,7 @@
             </a:outerShdw>
           </a:effectLst>
           <a:extLst>
-            <a:ext uri="{909E8E84-426E-40DD-AFC4-6F175D3DCCD1}">
+            <a:ext uri="{909E8E84-426E-40dd-AFC4-6F175D3DCCD1}">
               <a14:hiddenFill xmlns:a14="http://schemas.microsoft.com/office/drawing/2010/main">
                 <a:solidFill>
                   <a:srgbClr val="FFFFFF"/>
@@ -3722,7 +3709,7 @@
   <p:timing>
     <p:tnLst>
       <p:par>
-        <p:cTn id="1" dur="indefinite" restart="never" nodeType="tmRoot"/>
+        <p:cTn xmlns:p14="http://schemas.microsoft.com/office/powerpoint/2010/main" id="1" dur="indefinite" restart="never" nodeType="tmRoot"/>
       </p:par>
     </p:tnLst>
   </p:timing>
@@ -3748,6 +3735,160 @@
       </p:grpSpPr>
       <p:sp>
         <p:nvSpPr>
+          <p:cNvPr id="2" name="Title 1"/>
+          <p:cNvSpPr>
+            <a:spLocks noGrp="1"/>
+          </p:cNvSpPr>
+          <p:nvPr>
+            <p:ph type="title"/>
+          </p:nvPr>
+        </p:nvSpPr>
+        <p:spPr/>
+        <p:txBody>
+          <a:bodyPr/>
+          <a:lstStyle/>
+          <a:p>
+            <a:r>
+              <a:rPr lang="en-US" dirty="0" smtClean="0"/>
+              <a:t>Rest and soap services</a:t>
+            </a:r>
+            <a:endParaRPr lang="en-US" dirty="0"/>
+          </a:p>
+        </p:txBody>
+      </p:sp>
+      <p:sp>
+        <p:nvSpPr>
+          <p:cNvPr id="3" name="Text Placeholder 2"/>
+          <p:cNvSpPr>
+            <a:spLocks noGrp="1"/>
+          </p:cNvSpPr>
+          <p:nvPr>
+            <p:ph type="body" idx="1"/>
+          </p:nvPr>
+        </p:nvSpPr>
+        <p:spPr/>
+        <p:txBody>
+          <a:bodyPr/>
+          <a:lstStyle/>
+          <a:p>
+            <a:r>
+              <a:rPr lang="en-US" dirty="0" smtClean="0"/>
+              <a:t>rest test client, use </a:t>
+            </a:r>
+            <a:r>
+              <a:rPr lang="en-US" dirty="0" err="1" smtClean="0"/>
+              <a:t>SoapUI</a:t>
+            </a:r>
+            <a:r>
+              <a:rPr lang="en-US" dirty="0" smtClean="0"/>
+              <a:t> to test SOAP services</a:t>
+            </a:r>
+            <a:endParaRPr lang="en-US" dirty="0"/>
+          </a:p>
+        </p:txBody>
+      </p:sp>
+      <p:sp>
+        <p:nvSpPr>
+          <p:cNvPr id="4" name="Date Placeholder 3"/>
+          <p:cNvSpPr>
+            <a:spLocks noGrp="1"/>
+          </p:cNvSpPr>
+          <p:nvPr>
+            <p:ph type="dt" sz="half" idx="10"/>
+          </p:nvPr>
+        </p:nvSpPr>
+        <p:spPr/>
+        <p:txBody>
+          <a:bodyPr/>
+          <a:lstStyle/>
+          <a:p>
+            <a:r>
+              <a:rPr lang="en-US" smtClean="0"/>
+              <a:t>4/28/2014</a:t>
+            </a:r>
+            <a:endParaRPr lang="en-US" dirty="0"/>
+          </a:p>
+        </p:txBody>
+      </p:sp>
+      <p:sp>
+        <p:nvSpPr>
+          <p:cNvPr id="5" name="Footer Placeholder 4"/>
+          <p:cNvSpPr>
+            <a:spLocks noGrp="1"/>
+          </p:cNvSpPr>
+          <p:nvPr>
+            <p:ph type="ftr" sz="quarter" idx="11"/>
+          </p:nvPr>
+        </p:nvSpPr>
+        <p:spPr/>
+        <p:txBody>
+          <a:bodyPr/>
+          <a:lstStyle/>
+          <a:p>
+            <a:r>
+              <a:rPr lang="en-US" smtClean="0"/>
+              <a:t>ryszard kilarski</a:t>
+            </a:r>
+            <a:endParaRPr lang="en-US" dirty="0"/>
+          </a:p>
+        </p:txBody>
+      </p:sp>
+      <p:sp>
+        <p:nvSpPr>
+          <p:cNvPr id="6" name="Slide Number Placeholder 5"/>
+          <p:cNvSpPr>
+            <a:spLocks noGrp="1"/>
+          </p:cNvSpPr>
+          <p:nvPr>
+            <p:ph type="sldNum" sz="quarter" idx="12"/>
+          </p:nvPr>
+        </p:nvSpPr>
+        <p:spPr/>
+        <p:txBody>
+          <a:bodyPr/>
+          <a:lstStyle/>
+          <a:p>
+            <a:fld id="{B6F15528-21DE-4FAA-801E-634DDDAF4B2B}" type="slidenum">
+              <a:rPr lang="en-US" smtClean="0"/>
+              <a:pPr/>
+              <a:t>10</a:t>
+            </a:fld>
+            <a:endParaRPr lang="en-US"/>
+          </a:p>
+        </p:txBody>
+      </p:sp>
+    </p:spTree>
+    <p:extLst>
+      <p:ext uri="{BB962C8B-B14F-4D97-AF65-F5344CB8AC3E}">
+        <p14:creationId xmlns:p14="http://schemas.microsoft.com/office/powerpoint/2010/main" val="3585371490"/>
+      </p:ext>
+    </p:extLst>
+  </p:cSld>
+  <p:clrMapOvr>
+    <a:masterClrMapping/>
+  </p:clrMapOvr>
+</p:sld>
+</file>
+
+<file path=ppt/slides/slide11.xml><?xml version="1.0" encoding="utf-8"?>
+<p:sld xmlns:a="http://schemas.openxmlformats.org/drawingml/2006/main" xmlns:r="http://schemas.openxmlformats.org/officeDocument/2006/relationships" xmlns:p="http://schemas.openxmlformats.org/presentationml/2006/main">
+  <p:cSld>
+    <p:spTree>
+      <p:nvGrpSpPr>
+        <p:cNvPr id="1" name=""/>
+        <p:cNvGrpSpPr/>
+        <p:nvPr/>
+      </p:nvGrpSpPr>
+      <p:grpSpPr>
+        <a:xfrm>
+          <a:off x="0" y="0"/>
+          <a:ext cx="0" cy="0"/>
+          <a:chOff x="0" y="0"/>
+          <a:chExt cx="0" cy="0"/>
+        </a:xfrm>
+      </p:grpSpPr>
+      <p:sp>
+        <p:nvSpPr>
           <p:cNvPr id="2" name="Date Placeholder 1"/>
           <p:cNvSpPr>
             <a:spLocks noGrp="1"/>
@@ -3822,7 +3963,7 @@
             <a:fld id="{B6F15528-21DE-4FAA-801E-634DDDAF4B2B}" type="slidenum">
               <a:rPr lang="en-US" smtClean="0"/>
               <a:pPr/>
-              <a:t>10</a:t>
+              <a:t>11</a:t>
             </a:fld>
             <a:endParaRPr lang="en-US"/>
           </a:p>
@@ -3886,7 +4027,7 @@
   <p:timing>
     <p:tnLst>
       <p:par>
-        <p:cTn id="1" dur="indefinite" restart="never" nodeType="tmRoot"/>
+        <p:cTn xmlns:p14="http://schemas.microsoft.com/office/powerpoint/2010/main" id="1" dur="indefinite" restart="never" nodeType="tmRoot"/>
       </p:par>
     </p:tnLst>
   </p:timing>
@@ -4001,14 +4142,14 @@
             </a:outerShdw>
           </a:effectLst>
           <a:extLst>
-            <a:ext uri="{909E8E84-426E-40DD-AFC4-6F175D3DCCD1}">
+            <a:ext uri="{909E8E84-426E-40dd-AFC4-6F175D3DCCD1}">
               <a14:hiddenFill xmlns:a14="http://schemas.microsoft.com/office/drawing/2010/main">
                 <a:solidFill>
                   <a:schemeClr val="accent1"/>
                 </a:solidFill>
               </a14:hiddenFill>
             </a:ext>
-            <a:ext uri="{91240B29-F687-4F45-9708-019B960494DF}">
+            <a:ext uri="{91240B29-F687-4f45-9708-019B960494DF}">
               <a14:hiddenLine xmlns:a14="http://schemas.microsoft.com/office/drawing/2010/main" w="9525">
                 <a:solidFill>
                   <a:schemeClr val="tx1"/>
@@ -4116,7 +4257,7 @@
   <p:timing>
     <p:tnLst>
       <p:par>
-        <p:cTn id="1" dur="indefinite" restart="never" nodeType="tmRoot"/>
+        <p:cTn xmlns:p14="http://schemas.microsoft.com/office/powerpoint/2010/main" id="1" dur="indefinite" restart="never" nodeType="tmRoot"/>
       </p:par>
     </p:tnLst>
   </p:timing>
@@ -4124,6 +4265,193 @@
 </file>
 
 <file path=ppt/slides/slide3.xml><?xml version="1.0" encoding="utf-8"?>
+<p:sld xmlns:a="http://schemas.openxmlformats.org/drawingml/2006/main" xmlns:r="http://schemas.openxmlformats.org/officeDocument/2006/relationships" xmlns:p="http://schemas.openxmlformats.org/presentationml/2006/main">
+  <p:cSld>
+    <p:spTree>
+      <p:nvGrpSpPr>
+        <p:cNvPr id="1" name=""/>
+        <p:cNvGrpSpPr/>
+        <p:nvPr/>
+      </p:nvGrpSpPr>
+      <p:grpSpPr>
+        <a:xfrm>
+          <a:off x="0" y="0"/>
+          <a:ext cx="0" cy="0"/>
+          <a:chOff x="0" y="0"/>
+          <a:chExt cx="0" cy="0"/>
+        </a:xfrm>
+      </p:grpSpPr>
+      <p:sp>
+        <p:nvSpPr>
+          <p:cNvPr id="2" name="Title 1"/>
+          <p:cNvSpPr>
+            <a:spLocks noGrp="1"/>
+          </p:cNvSpPr>
+          <p:nvPr>
+            <p:ph type="title"/>
+          </p:nvPr>
+        </p:nvSpPr>
+        <p:spPr/>
+        <p:txBody>
+          <a:bodyPr/>
+          <a:lstStyle/>
+          <a:p>
+            <a:r>
+              <a:rPr lang="en-US" dirty="0" err="1" smtClean="0"/>
+              <a:t>Guitariffic</a:t>
+            </a:r>
+            <a:r>
+              <a:rPr lang="en-US" dirty="0" smtClean="0"/>
+              <a:t>!</a:t>
+            </a:r>
+            <a:endParaRPr lang="en-US" dirty="0"/>
+          </a:p>
+        </p:txBody>
+      </p:sp>
+      <p:sp>
+        <p:nvSpPr>
+          <p:cNvPr id="4" name="Date Placeholder 3"/>
+          <p:cNvSpPr>
+            <a:spLocks noGrp="1"/>
+          </p:cNvSpPr>
+          <p:nvPr>
+            <p:ph type="dt" sz="half" idx="10"/>
+          </p:nvPr>
+        </p:nvSpPr>
+        <p:spPr/>
+        <p:txBody>
+          <a:bodyPr/>
+          <a:lstStyle/>
+          <a:p>
+            <a:r>
+              <a:rPr lang="en-US" smtClean="0"/>
+              <a:t>4/28/2014</a:t>
+            </a:r>
+            <a:endParaRPr lang="en-US" dirty="0"/>
+          </a:p>
+        </p:txBody>
+      </p:sp>
+      <p:sp>
+        <p:nvSpPr>
+          <p:cNvPr id="5" name="Footer Placeholder 4"/>
+          <p:cNvSpPr>
+            <a:spLocks noGrp="1"/>
+          </p:cNvSpPr>
+          <p:nvPr>
+            <p:ph type="ftr" sz="quarter" idx="11"/>
+          </p:nvPr>
+        </p:nvSpPr>
+        <p:spPr/>
+        <p:txBody>
+          <a:bodyPr/>
+          <a:lstStyle/>
+          <a:p>
+            <a:r>
+              <a:rPr lang="en-US" smtClean="0"/>
+              <a:t>ryszard kilarski</a:t>
+            </a:r>
+            <a:endParaRPr lang="en-US" dirty="0"/>
+          </a:p>
+        </p:txBody>
+      </p:sp>
+      <p:sp>
+        <p:nvSpPr>
+          <p:cNvPr id="6" name="Slide Number Placeholder 5"/>
+          <p:cNvSpPr>
+            <a:spLocks noGrp="1"/>
+          </p:cNvSpPr>
+          <p:nvPr>
+            <p:ph type="sldNum" sz="quarter" idx="12"/>
+          </p:nvPr>
+        </p:nvSpPr>
+        <p:spPr/>
+        <p:txBody>
+          <a:bodyPr/>
+          <a:lstStyle/>
+          <a:p>
+            <a:fld id="{B6F15528-21DE-4FAA-801E-634DDDAF4B2B}" type="slidenum">
+              <a:rPr lang="en-US" smtClean="0"/>
+              <a:pPr/>
+              <a:t>3</a:t>
+            </a:fld>
+            <a:endParaRPr lang="en-US"/>
+          </a:p>
+        </p:txBody>
+      </p:sp>
+      <p:pic>
+        <p:nvPicPr>
+          <p:cNvPr id="7" name="Picture 2"/>
+          <p:cNvPicPr>
+            <a:picLocks noChangeAspect="1" noChangeArrowheads="1"/>
+          </p:cNvPicPr>
+          <p:nvPr/>
+        </p:nvPicPr>
+        <p:blipFill>
+          <a:blip r:embed="rId2">
+            <a:extLst>
+              <a:ext uri="{28A0092B-C50C-407E-A947-70E740481C1C}">
+                <a14:useLocalDpi xmlns:a14="http://schemas.microsoft.com/office/drawing/2010/main" val="0"/>
+              </a:ext>
+            </a:extLst>
+          </a:blip>
+          <a:srcRect/>
+          <a:stretch>
+            <a:fillRect/>
+          </a:stretch>
+        </p:blipFill>
+        <p:spPr bwMode="auto">
+          <a:xfrm>
+            <a:off x="1897062" y="152400"/>
+            <a:ext cx="5349875" cy="4148666"/>
+          </a:xfrm>
+          <a:prstGeom prst="rect">
+            <a:avLst/>
+          </a:prstGeom>
+          <a:ln>
+            <a:noFill/>
+          </a:ln>
+          <a:effectLst>
+            <a:outerShdw blurRad="292100" dist="139700" dir="2700000" algn="tl" rotWithShape="0">
+              <a:srgbClr val="333333">
+                <a:alpha val="65000"/>
+              </a:srgbClr>
+            </a:outerShdw>
+          </a:effectLst>
+          <a:extLst>
+            <a:ext uri="{909E8E84-426E-40dd-AFC4-6F175D3DCCD1}">
+              <a14:hiddenFill xmlns:a14="http://schemas.microsoft.com/office/drawing/2010/main">
+                <a:solidFill>
+                  <a:schemeClr val="accent1"/>
+                </a:solidFill>
+              </a14:hiddenFill>
+            </a:ext>
+            <a:ext uri="{91240B29-F687-4f45-9708-019B960494DF}">
+              <a14:hiddenLine xmlns:a14="http://schemas.microsoft.com/office/drawing/2010/main" w="9525">
+                <a:solidFill>
+                  <a:schemeClr val="tx1"/>
+                </a:solidFill>
+                <a:miter lim="800000"/>
+                <a:headEnd/>
+                <a:tailEnd/>
+              </a14:hiddenLine>
+            </a:ext>
+          </a:extLst>
+        </p:spPr>
+      </p:pic>
+    </p:spTree>
+    <p:extLst>
+      <p:ext uri="{BB962C8B-B14F-4D97-AF65-F5344CB8AC3E}">
+        <p14:creationId xmlns:p14="http://schemas.microsoft.com/office/powerpoint/2010/main" val="1928733472"/>
+      </p:ext>
+    </p:extLst>
+  </p:cSld>
+  <p:clrMapOvr>
+    <a:masterClrMapping/>
+  </p:clrMapOvr>
+</p:sld>
+</file>
+
+<file path=ppt/slides/slide4.xml><?xml version="1.0" encoding="utf-8"?>
 <p:sld xmlns:a="http://schemas.openxmlformats.org/drawingml/2006/main" xmlns:r="http://schemas.openxmlformats.org/officeDocument/2006/relationships" xmlns:p="http://schemas.openxmlformats.org/presentationml/2006/main">
   <p:cSld>
     <p:spTree>
@@ -4226,14 +4554,14 @@
             </a:outerShdw>
           </a:effectLst>
           <a:extLst>
-            <a:ext uri="{909E8E84-426E-40DD-AFC4-6F175D3DCCD1}">
+            <a:ext uri="{909E8E84-426E-40dd-AFC4-6F175D3DCCD1}">
               <a14:hiddenFill xmlns:a14="http://schemas.microsoft.com/office/drawing/2010/main">
                 <a:solidFill>
                   <a:schemeClr val="accent1"/>
                 </a:solidFill>
               </a14:hiddenFill>
             </a:ext>
-            <a:ext uri="{91240B29-F687-4F45-9708-019B960494DF}">
+            <a:ext uri="{91240B29-F687-4f45-9708-019B960494DF}">
               <a14:hiddenLine xmlns:a14="http://schemas.microsoft.com/office/drawing/2010/main" w="9525">
                 <a:solidFill>
                   <a:schemeClr val="tx1"/>
@@ -4322,7 +4650,7 @@
             <a:fld id="{B6F15528-21DE-4FAA-801E-634DDDAF4B2B}" type="slidenum">
               <a:rPr lang="en-US" smtClean="0"/>
               <a:pPr/>
-              <a:t>3</a:t>
+              <a:t>4</a:t>
             </a:fld>
             <a:endParaRPr lang="en-US"/>
           </a:p>
@@ -4341,14 +4669,14 @@
   <p:timing>
     <p:tnLst>
       <p:par>
-        <p:cTn id="1" dur="indefinite" restart="never" nodeType="tmRoot"/>
+        <p:cTn xmlns:p14="http://schemas.microsoft.com/office/powerpoint/2010/main" id="1" dur="indefinite" restart="never" nodeType="tmRoot"/>
       </p:par>
     </p:tnLst>
   </p:timing>
 </p:sld>
 </file>
 
-<file path=ppt/slides/slide4.xml><?xml version="1.0" encoding="utf-8"?>
+<file path=ppt/slides/slide5.xml><?xml version="1.0" encoding="utf-8"?>
 <p:sld xmlns:a="http://schemas.openxmlformats.org/drawingml/2006/main" xmlns:r="http://schemas.openxmlformats.org/officeDocument/2006/relationships" xmlns:p="http://schemas.openxmlformats.org/presentationml/2006/main">
   <p:cSld>
     <p:spTree>
@@ -4456,14 +4784,14 @@
             </a:outerShdw>
           </a:effectLst>
           <a:extLst>
-            <a:ext uri="{909E8E84-426E-40DD-AFC4-6F175D3DCCD1}">
+            <a:ext uri="{909E8E84-426E-40dd-AFC4-6F175D3DCCD1}">
               <a14:hiddenFill xmlns:a14="http://schemas.microsoft.com/office/drawing/2010/main">
                 <a:solidFill>
                   <a:schemeClr val="accent1"/>
                 </a:solidFill>
               </a14:hiddenFill>
             </a:ext>
-            <a:ext uri="{91240B29-F687-4F45-9708-019B960494DF}">
+            <a:ext uri="{91240B29-F687-4f45-9708-019B960494DF}">
               <a14:hiddenLine xmlns:a14="http://schemas.microsoft.com/office/drawing/2010/main" w="9525">
                 <a:solidFill>
                   <a:schemeClr val="tx1"/>
@@ -4556,7 +4884,7 @@
             <a:fld id="{B6F15528-21DE-4FAA-801E-634DDDAF4B2B}" type="slidenum">
               <a:rPr lang="en-US" smtClean="0"/>
               <a:pPr/>
-              <a:t>4</a:t>
+              <a:t>5</a:t>
             </a:fld>
             <a:endParaRPr lang="en-US"/>
           </a:p>
@@ -4575,14 +4903,14 @@
   <p:timing>
     <p:tnLst>
       <p:par>
-        <p:cTn id="1" dur="indefinite" restart="never" nodeType="tmRoot"/>
+        <p:cTn xmlns:p14="http://schemas.microsoft.com/office/powerpoint/2010/main" id="1" dur="indefinite" restart="never" nodeType="tmRoot"/>
       </p:par>
     </p:tnLst>
   </p:timing>
 </p:sld>
 </file>
 
-<file path=ppt/slides/slide5.xml><?xml version="1.0" encoding="utf-8"?>
+<file path=ppt/slides/slide6.xml><?xml version="1.0" encoding="utf-8"?>
 <p:sld xmlns:a="http://schemas.openxmlformats.org/drawingml/2006/main" xmlns:r="http://schemas.openxmlformats.org/officeDocument/2006/relationships" xmlns:p="http://schemas.openxmlformats.org/presentationml/2006/main">
   <p:cSld>
     <p:spTree>
@@ -4616,7 +4944,15 @@
           <a:p>
             <a:r>
               <a:rPr lang="en-US" dirty="0" smtClean="0"/>
-              <a:t>Images for application background</a:t>
+              <a:t>Flickr Images </a:t>
+            </a:r>
+            <a:r>
+              <a:rPr lang="en-US" dirty="0" smtClean="0"/>
+              <a:t>for </a:t>
+            </a:r>
+            <a:r>
+              <a:rPr lang="en-US" dirty="0" smtClean="0"/>
+              <a:t>background</a:t>
             </a:r>
             <a:endParaRPr lang="en-US" dirty="0"/>
           </a:p>
@@ -4681,14 +5017,14 @@
             </a:outerShdw>
           </a:effectLst>
           <a:extLst>
-            <a:ext uri="{909E8E84-426E-40DD-AFC4-6F175D3DCCD1}">
+            <a:ext uri="{909E8E84-426E-40dd-AFC4-6F175D3DCCD1}">
               <a14:hiddenFill xmlns:a14="http://schemas.microsoft.com/office/drawing/2010/main">
                 <a:solidFill>
                   <a:schemeClr val="accent1"/>
                 </a:solidFill>
               </a14:hiddenFill>
             </a:ext>
-            <a:ext uri="{91240B29-F687-4F45-9708-019B960494DF}">
+            <a:ext uri="{91240B29-F687-4f45-9708-019B960494DF}">
               <a14:hiddenLine xmlns:a14="http://schemas.microsoft.com/office/drawing/2010/main" w="9525">
                 <a:solidFill>
                   <a:schemeClr val="tx1"/>
@@ -4777,7 +5113,7 @@
             <a:fld id="{B6F15528-21DE-4FAA-801E-634DDDAF4B2B}" type="slidenum">
               <a:rPr lang="en-US" smtClean="0"/>
               <a:pPr/>
-              <a:t>5</a:t>
+              <a:t>6</a:t>
             </a:fld>
             <a:endParaRPr lang="en-US"/>
           </a:p>
@@ -4796,14 +5132,14 @@
   <p:timing>
     <p:tnLst>
       <p:par>
-        <p:cTn id="1" dur="indefinite" restart="never" nodeType="tmRoot"/>
+        <p:cTn xmlns:p14="http://schemas.microsoft.com/office/powerpoint/2010/main" id="1" dur="indefinite" restart="never" nodeType="tmRoot"/>
       </p:par>
     </p:tnLst>
   </p:timing>
 </p:sld>
 </file>
 
-<file path=ppt/slides/slide6.xml><?xml version="1.0" encoding="utf-8"?>
+<file path=ppt/slides/slide7.xml><?xml version="1.0" encoding="utf-8"?>
 <p:sld xmlns:a="http://schemas.openxmlformats.org/drawingml/2006/main" xmlns:r="http://schemas.openxmlformats.org/officeDocument/2006/relationships" xmlns:p="http://schemas.openxmlformats.org/presentationml/2006/main">
   <p:cSld>
     <p:spTree>
@@ -5170,14 +5506,14 @@
             </a:outerShdw>
           </a:effectLst>
           <a:extLst>
-            <a:ext uri="{909E8E84-426E-40DD-AFC4-6F175D3DCCD1}">
+            <a:ext uri="{909E8E84-426E-40dd-AFC4-6F175D3DCCD1}">
               <a14:hiddenFill xmlns:a14="http://schemas.microsoft.com/office/drawing/2010/main">
                 <a:solidFill>
                   <a:schemeClr val="accent1"/>
                 </a:solidFill>
               </a14:hiddenFill>
             </a:ext>
-            <a:ext uri="{91240B29-F687-4F45-9708-019B960494DF}">
+            <a:ext uri="{91240B29-F687-4f45-9708-019B960494DF}">
               <a14:hiddenLine xmlns:a14="http://schemas.microsoft.com/office/drawing/2010/main" w="9525">
                 <a:solidFill>
                   <a:schemeClr val="tx1"/>
@@ -5266,7 +5602,7 @@
             <a:fld id="{B6F15528-21DE-4FAA-801E-634DDDAF4B2B}" type="slidenum">
               <a:rPr lang="en-US" smtClean="0"/>
               <a:pPr/>
-              <a:t>6</a:t>
+              <a:t>7</a:t>
             </a:fld>
             <a:endParaRPr lang="en-US"/>
           </a:p>
@@ -5285,14 +5621,765 @@
   <p:timing>
     <p:tnLst>
       <p:par>
-        <p:cTn id="1" dur="indefinite" restart="never" nodeType="tmRoot"/>
+        <p:cTn xmlns:p14="http://schemas.microsoft.com/office/powerpoint/2010/main" id="1" dur="indefinite" restart="never" nodeType="tmRoot"/>
       </p:par>
     </p:tnLst>
   </p:timing>
 </p:sld>
 </file>
 
-<file path=ppt/slides/slide7.xml><?xml version="1.0" encoding="utf-8"?>
+<file path=ppt/slides/slide8.xml><?xml version="1.0" encoding="utf-8"?>
+<p:sld xmlns:a="http://schemas.openxmlformats.org/drawingml/2006/main" xmlns:r="http://schemas.openxmlformats.org/officeDocument/2006/relationships" xmlns:p="http://schemas.openxmlformats.org/presentationml/2006/main">
+  <p:cSld>
+    <p:spTree>
+      <p:nvGrpSpPr>
+        <p:cNvPr id="1" name=""/>
+        <p:cNvGrpSpPr/>
+        <p:nvPr/>
+      </p:nvGrpSpPr>
+      <p:grpSpPr>
+        <a:xfrm>
+          <a:off x="0" y="0"/>
+          <a:ext cx="0" cy="0"/>
+          <a:chOff x="0" y="0"/>
+          <a:chExt cx="0" cy="0"/>
+        </a:xfrm>
+      </p:grpSpPr>
+      <p:sp>
+        <p:nvSpPr>
+          <p:cNvPr id="2" name="Title 1"/>
+          <p:cNvSpPr>
+            <a:spLocks noGrp="1"/>
+          </p:cNvSpPr>
+          <p:nvPr>
+            <p:ph type="title"/>
+          </p:nvPr>
+        </p:nvSpPr>
+        <p:spPr/>
+        <p:txBody>
+          <a:bodyPr/>
+          <a:lstStyle/>
+          <a:p>
+            <a:r>
+              <a:rPr lang="en-US" dirty="0" smtClean="0"/>
+              <a:t>Encapsulated image access layer</a:t>
+            </a:r>
+            <a:endParaRPr lang="en-US" dirty="0"/>
+          </a:p>
+        </p:txBody>
+      </p:sp>
+      <p:sp>
+        <p:nvSpPr>
+          <p:cNvPr id="3" name="Text Placeholder 2"/>
+          <p:cNvSpPr>
+            <a:spLocks noGrp="1"/>
+          </p:cNvSpPr>
+          <p:nvPr>
+            <p:ph type="body" idx="1"/>
+          </p:nvPr>
+        </p:nvSpPr>
+        <p:spPr/>
+        <p:txBody>
+          <a:bodyPr/>
+          <a:lstStyle/>
+          <a:p>
+            <a:r>
+              <a:rPr lang="en-US" dirty="0"/>
+              <a:t>s</a:t>
+            </a:r>
+            <a:r>
+              <a:rPr lang="en-US" dirty="0" smtClean="0"/>
+              <a:t>wap image layer with different scheme; currently implemented with </a:t>
+            </a:r>
+            <a:r>
+              <a:rPr lang="en-US" dirty="0" err="1" smtClean="0"/>
+              <a:t>flickr</a:t>
+            </a:r>
+            <a:r>
+              <a:rPr lang="en-US" dirty="0" smtClean="0"/>
+              <a:t> </a:t>
+            </a:r>
+            <a:r>
+              <a:rPr lang="en-US" dirty="0" smtClean="0"/>
+              <a:t>only, via </a:t>
+            </a:r>
+            <a:r>
+              <a:rPr lang="en-US" smtClean="0"/>
+              <a:t>REST service</a:t>
+            </a:r>
+            <a:endParaRPr lang="en-US" dirty="0"/>
+          </a:p>
+        </p:txBody>
+      </p:sp>
+      <p:sp>
+        <p:nvSpPr>
+          <p:cNvPr id="4" name="Rounded Rectangle 3"/>
+          <p:cNvSpPr/>
+          <p:nvPr/>
+        </p:nvSpPr>
+        <p:spPr>
+          <a:xfrm>
+            <a:off x="533400" y="1485900"/>
+            <a:ext cx="1447800" cy="990600"/>
+          </a:xfrm>
+          <a:prstGeom prst="roundRect">
+            <a:avLst/>
+          </a:prstGeom>
+        </p:spPr>
+        <p:style>
+          <a:lnRef idx="2">
+            <a:schemeClr val="accent1">
+              <a:shade val="50000"/>
+            </a:schemeClr>
+          </a:lnRef>
+          <a:fillRef idx="1">
+            <a:schemeClr val="accent1"/>
+          </a:fillRef>
+          <a:effectRef idx="0">
+            <a:schemeClr val="accent1"/>
+          </a:effectRef>
+          <a:fontRef idx="minor">
+            <a:schemeClr val="lt1"/>
+          </a:fontRef>
+        </p:style>
+        <p:txBody>
+          <a:bodyPr rtlCol="0" anchor="ctr"/>
+          <a:lstStyle/>
+          <a:p>
+            <a:pPr algn="ctr"/>
+            <a:r>
+              <a:rPr lang="en-US" sz="1000" dirty="0" err="1" smtClean="0">
+                <a:latin typeface="GE Inspira Pitch" panose="020F0603030400020203" pitchFamily="34" charset="0"/>
+              </a:rPr>
+              <a:t>SongServiceImpl</a:t>
+            </a:r>
+            <a:endParaRPr lang="en-US" sz="1000" dirty="0">
+              <a:latin typeface="GE Inspira Pitch" panose="020F0603030400020203" pitchFamily="34" charset="0"/>
+            </a:endParaRPr>
+          </a:p>
+        </p:txBody>
+      </p:sp>
+      <p:sp>
+        <p:nvSpPr>
+          <p:cNvPr id="5" name="Rounded Rectangle 4"/>
+          <p:cNvSpPr/>
+          <p:nvPr/>
+        </p:nvSpPr>
+        <p:spPr>
+          <a:xfrm>
+            <a:off x="3782984" y="385503"/>
+            <a:ext cx="2590800" cy="685800"/>
+          </a:xfrm>
+          <a:prstGeom prst="roundRect">
+            <a:avLst/>
+          </a:prstGeom>
+        </p:spPr>
+        <p:style>
+          <a:lnRef idx="2">
+            <a:schemeClr val="accent1"/>
+          </a:lnRef>
+          <a:fillRef idx="1">
+            <a:schemeClr val="lt1"/>
+          </a:fillRef>
+          <a:effectRef idx="0">
+            <a:schemeClr val="accent1"/>
+          </a:effectRef>
+          <a:fontRef idx="minor">
+            <a:schemeClr val="dk1"/>
+          </a:fontRef>
+        </p:style>
+        <p:txBody>
+          <a:bodyPr rtlCol="0" anchor="ctr"/>
+          <a:lstStyle/>
+          <a:p>
+            <a:pPr algn="ctr"/>
+            <a:r>
+              <a:rPr lang="en-US" sz="1600" dirty="0" smtClean="0">
+                <a:latin typeface="GE Inspira Pitch" panose="020F0603030400020203" pitchFamily="34" charset="0"/>
+              </a:rPr>
+              <a:t>&lt;&lt;</a:t>
+            </a:r>
+            <a:r>
+              <a:rPr lang="en-US" sz="1600" dirty="0" err="1" smtClean="0">
+                <a:latin typeface="GE Inspira Pitch" panose="020F0603030400020203" pitchFamily="34" charset="0"/>
+              </a:rPr>
+              <a:t>ImageImpl</a:t>
+            </a:r>
+            <a:r>
+              <a:rPr lang="en-US" sz="1600" dirty="0" smtClean="0">
+                <a:latin typeface="GE Inspira Pitch" panose="020F0603030400020203" pitchFamily="34" charset="0"/>
+              </a:rPr>
+              <a:t>&gt;&gt;</a:t>
+            </a:r>
+            <a:endParaRPr lang="en-US" sz="1600" dirty="0">
+              <a:latin typeface="GE Inspira Pitch" panose="020F0603030400020203" pitchFamily="34" charset="0"/>
+            </a:endParaRPr>
+          </a:p>
+        </p:txBody>
+      </p:sp>
+      <p:sp>
+        <p:nvSpPr>
+          <p:cNvPr id="6" name="Rounded Rectangle 5"/>
+          <p:cNvSpPr/>
+          <p:nvPr/>
+        </p:nvSpPr>
+        <p:spPr>
+          <a:xfrm>
+            <a:off x="4123804" y="1371600"/>
+            <a:ext cx="2949634" cy="685800"/>
+          </a:xfrm>
+          <a:prstGeom prst="roundRect">
+            <a:avLst/>
+          </a:prstGeom>
+        </p:spPr>
+        <p:style>
+          <a:lnRef idx="2">
+            <a:schemeClr val="accent1">
+              <a:shade val="50000"/>
+            </a:schemeClr>
+          </a:lnRef>
+          <a:fillRef idx="1">
+            <a:schemeClr val="accent1"/>
+          </a:fillRef>
+          <a:effectRef idx="0">
+            <a:schemeClr val="accent1"/>
+          </a:effectRef>
+          <a:fontRef idx="minor">
+            <a:schemeClr val="lt1"/>
+          </a:fontRef>
+        </p:style>
+        <p:txBody>
+          <a:bodyPr rtlCol="0" anchor="ctr"/>
+          <a:lstStyle/>
+          <a:p>
+            <a:pPr algn="ctr"/>
+            <a:r>
+              <a:rPr lang="en-US" dirty="0" err="1" smtClean="0">
+                <a:latin typeface="GE Inspira Pitch" panose="020F0603030400020203" pitchFamily="34" charset="0"/>
+              </a:rPr>
+              <a:t>FlickrImageImpl</a:t>
+            </a:r>
+            <a:endParaRPr lang="en-US" dirty="0">
+              <a:latin typeface="GE Inspira Pitch" panose="020F0603030400020203" pitchFamily="34" charset="0"/>
+            </a:endParaRPr>
+          </a:p>
+        </p:txBody>
+      </p:sp>
+      <p:sp>
+        <p:nvSpPr>
+          <p:cNvPr id="7" name="Rounded Rectangle 6"/>
+          <p:cNvSpPr/>
+          <p:nvPr/>
+        </p:nvSpPr>
+        <p:spPr>
+          <a:xfrm>
+            <a:off x="7516783" y="1371600"/>
+            <a:ext cx="1474817" cy="685800"/>
+          </a:xfrm>
+          <a:prstGeom prst="roundRect">
+            <a:avLst/>
+          </a:prstGeom>
+        </p:spPr>
+        <p:style>
+          <a:lnRef idx="1">
+            <a:schemeClr val="accent6"/>
+          </a:lnRef>
+          <a:fillRef idx="2">
+            <a:schemeClr val="accent6"/>
+          </a:fillRef>
+          <a:effectRef idx="1">
+            <a:schemeClr val="accent6"/>
+          </a:effectRef>
+          <a:fontRef idx="minor">
+            <a:schemeClr val="dk1"/>
+          </a:fontRef>
+        </p:style>
+        <p:txBody>
+          <a:bodyPr rtlCol="0" anchor="ctr"/>
+          <a:lstStyle/>
+          <a:p>
+            <a:pPr algn="ctr"/>
+            <a:r>
+              <a:rPr lang="en-US" dirty="0" err="1" smtClean="0">
+                <a:latin typeface="GE Inspira Pitch" panose="020F0603030400020203" pitchFamily="34" charset="0"/>
+              </a:rPr>
+              <a:t>flickr</a:t>
+            </a:r>
+            <a:endParaRPr lang="en-US" dirty="0">
+              <a:latin typeface="GE Inspira Pitch" panose="020F0603030400020203" pitchFamily="34" charset="0"/>
+            </a:endParaRPr>
+          </a:p>
+        </p:txBody>
+      </p:sp>
+      <p:sp>
+        <p:nvSpPr>
+          <p:cNvPr id="8" name="Rounded Rectangle 7"/>
+          <p:cNvSpPr/>
+          <p:nvPr/>
+        </p:nvSpPr>
+        <p:spPr>
+          <a:xfrm>
+            <a:off x="4392583" y="2133600"/>
+            <a:ext cx="2949634" cy="685800"/>
+          </a:xfrm>
+          <a:prstGeom prst="roundRect">
+            <a:avLst/>
+          </a:prstGeom>
+        </p:spPr>
+        <p:style>
+          <a:lnRef idx="2">
+            <a:schemeClr val="accent1">
+              <a:shade val="50000"/>
+            </a:schemeClr>
+          </a:lnRef>
+          <a:fillRef idx="1">
+            <a:schemeClr val="accent1"/>
+          </a:fillRef>
+          <a:effectRef idx="0">
+            <a:schemeClr val="accent1"/>
+          </a:effectRef>
+          <a:fontRef idx="minor">
+            <a:schemeClr val="lt1"/>
+          </a:fontRef>
+        </p:style>
+        <p:txBody>
+          <a:bodyPr rtlCol="0" anchor="ctr"/>
+          <a:lstStyle/>
+          <a:p>
+            <a:pPr algn="ctr"/>
+            <a:r>
+              <a:rPr lang="en-US" dirty="0" err="1" smtClean="0">
+                <a:latin typeface="GE Inspira Pitch" panose="020F0603030400020203" pitchFamily="34" charset="0"/>
+              </a:rPr>
+              <a:t>GoogleImageImpl</a:t>
+            </a:r>
+            <a:r>
+              <a:rPr lang="en-US" dirty="0" smtClean="0">
+                <a:latin typeface="GE Inspira Pitch" panose="020F0603030400020203" pitchFamily="34" charset="0"/>
+              </a:rPr>
+              <a:t> (future?)</a:t>
+            </a:r>
+            <a:endParaRPr lang="en-US" dirty="0">
+              <a:latin typeface="GE Inspira Pitch" panose="020F0603030400020203" pitchFamily="34" charset="0"/>
+            </a:endParaRPr>
+          </a:p>
+        </p:txBody>
+      </p:sp>
+      <p:cxnSp>
+        <p:nvCxnSpPr>
+          <p:cNvPr id="12" name="Elbow Connector 11"/>
+          <p:cNvCxnSpPr/>
+          <p:nvPr/>
+        </p:nvCxnSpPr>
+        <p:spPr>
+          <a:xfrm rot="5400000">
+            <a:off x="4277244" y="894311"/>
+            <a:ext cx="647700" cy="954579"/>
+          </a:xfrm>
+          <a:prstGeom prst="bentConnector4">
+            <a:avLst>
+              <a:gd name="adj1" fmla="val 23529"/>
+              <a:gd name="adj2" fmla="val 123948"/>
+            </a:avLst>
+          </a:prstGeom>
+          <a:ln>
+            <a:tailEnd type="arrow"/>
+          </a:ln>
+        </p:spPr>
+        <p:style>
+          <a:lnRef idx="1">
+            <a:schemeClr val="accent1"/>
+          </a:lnRef>
+          <a:fillRef idx="0">
+            <a:schemeClr val="accent1"/>
+          </a:fillRef>
+          <a:effectRef idx="0">
+            <a:schemeClr val="accent1"/>
+          </a:effectRef>
+          <a:fontRef idx="minor">
+            <a:schemeClr val="tx1"/>
+          </a:fontRef>
+        </p:style>
+      </p:cxnSp>
+      <p:cxnSp>
+        <p:nvCxnSpPr>
+          <p:cNvPr id="14" name="Elbow Connector 13"/>
+          <p:cNvCxnSpPr>
+            <a:endCxn id="8" idx="1"/>
+          </p:cNvCxnSpPr>
+          <p:nvPr/>
+        </p:nvCxnSpPr>
+        <p:spPr>
+          <a:xfrm rot="5400000">
+            <a:off x="4030633" y="1428750"/>
+            <a:ext cx="1409700" cy="685800"/>
+          </a:xfrm>
+          <a:prstGeom prst="bentConnector4">
+            <a:avLst>
+              <a:gd name="adj1" fmla="val 17789"/>
+              <a:gd name="adj2" fmla="val 156363"/>
+            </a:avLst>
+          </a:prstGeom>
+          <a:ln>
+            <a:tailEnd type="arrow"/>
+          </a:ln>
+        </p:spPr>
+        <p:style>
+          <a:lnRef idx="1">
+            <a:schemeClr val="accent1"/>
+          </a:lnRef>
+          <a:fillRef idx="0">
+            <a:schemeClr val="accent1"/>
+          </a:fillRef>
+          <a:effectRef idx="0">
+            <a:schemeClr val="accent1"/>
+          </a:effectRef>
+          <a:fontRef idx="minor">
+            <a:schemeClr val="tx1"/>
+          </a:fontRef>
+        </p:style>
+      </p:cxnSp>
+      <p:sp>
+        <p:nvSpPr>
+          <p:cNvPr id="18" name="Rounded Rectangle 17"/>
+          <p:cNvSpPr/>
+          <p:nvPr/>
+        </p:nvSpPr>
+        <p:spPr>
+          <a:xfrm rot="16200000">
+            <a:off x="1377661" y="1695450"/>
+            <a:ext cx="2095500" cy="571500"/>
+          </a:xfrm>
+          <a:prstGeom prst="roundRect">
+            <a:avLst/>
+          </a:prstGeom>
+        </p:spPr>
+        <p:style>
+          <a:lnRef idx="2">
+            <a:schemeClr val="accent1">
+              <a:shade val="50000"/>
+            </a:schemeClr>
+          </a:lnRef>
+          <a:fillRef idx="1">
+            <a:schemeClr val="accent1"/>
+          </a:fillRef>
+          <a:effectRef idx="0">
+            <a:schemeClr val="accent1"/>
+          </a:effectRef>
+          <a:fontRef idx="minor">
+            <a:schemeClr val="lt1"/>
+          </a:fontRef>
+        </p:style>
+        <p:txBody>
+          <a:bodyPr rtlCol="0" anchor="ctr"/>
+          <a:lstStyle/>
+          <a:p>
+            <a:pPr algn="ctr"/>
+            <a:r>
+              <a:rPr lang="en-US" dirty="0" err="1" smtClean="0"/>
+              <a:t>ImageImpl</a:t>
+            </a:r>
+            <a:endParaRPr lang="en-US" dirty="0"/>
+          </a:p>
+        </p:txBody>
+      </p:sp>
+      <p:cxnSp>
+        <p:nvCxnSpPr>
+          <p:cNvPr id="25" name="Straight Arrow Connector 24"/>
+          <p:cNvCxnSpPr>
+            <a:stCxn id="4" idx="3"/>
+            <a:endCxn id="18" idx="0"/>
+          </p:cNvCxnSpPr>
+          <p:nvPr/>
+        </p:nvCxnSpPr>
+        <p:spPr>
+          <a:xfrm>
+            <a:off x="1981200" y="1981200"/>
+            <a:ext cx="158461" cy="0"/>
+          </a:xfrm>
+          <a:prstGeom prst="straightConnector1">
+            <a:avLst/>
+          </a:prstGeom>
+          <a:ln>
+            <a:tailEnd type="arrow"/>
+          </a:ln>
+        </p:spPr>
+        <p:style>
+          <a:lnRef idx="1">
+            <a:schemeClr val="accent1"/>
+          </a:lnRef>
+          <a:fillRef idx="0">
+            <a:schemeClr val="accent1"/>
+          </a:fillRef>
+          <a:effectRef idx="0">
+            <a:schemeClr val="accent1"/>
+          </a:effectRef>
+          <a:fontRef idx="minor">
+            <a:schemeClr val="tx1"/>
+          </a:fontRef>
+        </p:style>
+      </p:cxnSp>
+      <p:cxnSp>
+        <p:nvCxnSpPr>
+          <p:cNvPr id="29" name="Straight Arrow Connector 28"/>
+          <p:cNvCxnSpPr>
+            <a:stCxn id="7" idx="1"/>
+            <a:endCxn id="6" idx="3"/>
+          </p:cNvCxnSpPr>
+          <p:nvPr/>
+        </p:nvCxnSpPr>
+        <p:spPr>
+          <a:xfrm flipH="1">
+            <a:off x="7073438" y="1714500"/>
+            <a:ext cx="443345" cy="0"/>
+          </a:xfrm>
+          <a:prstGeom prst="straightConnector1">
+            <a:avLst/>
+          </a:prstGeom>
+          <a:ln>
+            <a:tailEnd type="arrow"/>
+          </a:ln>
+        </p:spPr>
+        <p:style>
+          <a:lnRef idx="1">
+            <a:schemeClr val="accent1"/>
+          </a:lnRef>
+          <a:fillRef idx="0">
+            <a:schemeClr val="accent1"/>
+          </a:fillRef>
+          <a:effectRef idx="0">
+            <a:schemeClr val="accent1"/>
+          </a:effectRef>
+          <a:fontRef idx="minor">
+            <a:schemeClr val="tx1"/>
+          </a:fontRef>
+        </p:style>
+      </p:cxnSp>
+      <p:sp>
+        <p:nvSpPr>
+          <p:cNvPr id="30" name="Left-Right Arrow 29"/>
+          <p:cNvSpPr/>
+          <p:nvPr/>
+        </p:nvSpPr>
+        <p:spPr>
+          <a:xfrm>
+            <a:off x="2819400" y="1822392"/>
+            <a:ext cx="887384" cy="285750"/>
+          </a:xfrm>
+          <a:prstGeom prst="leftRightArrow">
+            <a:avLst/>
+          </a:prstGeom>
+        </p:spPr>
+        <p:style>
+          <a:lnRef idx="2">
+            <a:schemeClr val="accent1">
+              <a:shade val="50000"/>
+            </a:schemeClr>
+          </a:lnRef>
+          <a:fillRef idx="1">
+            <a:schemeClr val="accent1"/>
+          </a:fillRef>
+          <a:effectRef idx="0">
+            <a:schemeClr val="accent1"/>
+          </a:effectRef>
+          <a:fontRef idx="minor">
+            <a:schemeClr val="lt1"/>
+          </a:fontRef>
+        </p:style>
+        <p:txBody>
+          <a:bodyPr rtlCol="0" anchor="ctr"/>
+          <a:lstStyle/>
+          <a:p>
+            <a:pPr algn="ctr"/>
+            <a:endParaRPr lang="en-US"/>
+          </a:p>
+        </p:txBody>
+      </p:sp>
+      <p:sp>
+        <p:nvSpPr>
+          <p:cNvPr id="15" name="Rounded Rectangle 14"/>
+          <p:cNvSpPr/>
+          <p:nvPr/>
+        </p:nvSpPr>
+        <p:spPr>
+          <a:xfrm>
+            <a:off x="7669183" y="2133600"/>
+            <a:ext cx="1474817" cy="685800"/>
+          </a:xfrm>
+          <a:prstGeom prst="roundRect">
+            <a:avLst/>
+          </a:prstGeom>
+        </p:spPr>
+        <p:style>
+          <a:lnRef idx="1">
+            <a:schemeClr val="accent6"/>
+          </a:lnRef>
+          <a:fillRef idx="2">
+            <a:schemeClr val="accent6"/>
+          </a:fillRef>
+          <a:effectRef idx="1">
+            <a:schemeClr val="accent6"/>
+          </a:effectRef>
+          <a:fontRef idx="minor">
+            <a:schemeClr val="dk1"/>
+          </a:fontRef>
+        </p:style>
+        <p:txBody>
+          <a:bodyPr rtlCol="0" anchor="ctr"/>
+          <a:lstStyle/>
+          <a:p>
+            <a:pPr algn="ctr"/>
+            <a:r>
+              <a:rPr lang="en-US" dirty="0" smtClean="0">
+                <a:latin typeface="GE Inspira Pitch" panose="020F0603030400020203" pitchFamily="34" charset="0"/>
+              </a:rPr>
+              <a:t>Google images</a:t>
+            </a:r>
+            <a:endParaRPr lang="en-US" dirty="0">
+              <a:latin typeface="GE Inspira Pitch" panose="020F0603030400020203" pitchFamily="34" charset="0"/>
+            </a:endParaRPr>
+          </a:p>
+        </p:txBody>
+      </p:sp>
+      <p:cxnSp>
+        <p:nvCxnSpPr>
+          <p:cNvPr id="16" name="Straight Arrow Connector 15"/>
+          <p:cNvCxnSpPr>
+            <a:stCxn id="15" idx="1"/>
+            <a:endCxn id="8" idx="3"/>
+          </p:cNvCxnSpPr>
+          <p:nvPr/>
+        </p:nvCxnSpPr>
+        <p:spPr>
+          <a:xfrm flipH="1">
+            <a:off x="7342217" y="2476500"/>
+            <a:ext cx="326966" cy="0"/>
+          </a:xfrm>
+          <a:prstGeom prst="straightConnector1">
+            <a:avLst/>
+          </a:prstGeom>
+          <a:ln>
+            <a:tailEnd type="arrow"/>
+          </a:ln>
+        </p:spPr>
+        <p:style>
+          <a:lnRef idx="1">
+            <a:schemeClr val="accent1"/>
+          </a:lnRef>
+          <a:fillRef idx="0">
+            <a:schemeClr val="accent1"/>
+          </a:fillRef>
+          <a:effectRef idx="0">
+            <a:schemeClr val="accent1"/>
+          </a:effectRef>
+          <a:fontRef idx="minor">
+            <a:schemeClr val="tx1"/>
+          </a:fontRef>
+        </p:style>
+      </p:cxnSp>
+      <p:sp>
+        <p:nvSpPr>
+          <p:cNvPr id="19" name="Date Placeholder 18"/>
+          <p:cNvSpPr>
+            <a:spLocks noGrp="1"/>
+          </p:cNvSpPr>
+          <p:nvPr>
+            <p:ph type="dt" sz="half" idx="10"/>
+          </p:nvPr>
+        </p:nvSpPr>
+        <p:spPr/>
+        <p:txBody>
+          <a:bodyPr/>
+          <a:lstStyle/>
+          <a:p>
+            <a:r>
+              <a:rPr lang="en-US" smtClean="0"/>
+              <a:t>4/28/2014</a:t>
+            </a:r>
+            <a:endParaRPr lang="en-US" dirty="0"/>
+          </a:p>
+        </p:txBody>
+      </p:sp>
+      <p:sp>
+        <p:nvSpPr>
+          <p:cNvPr id="20" name="Footer Placeholder 19"/>
+          <p:cNvSpPr>
+            <a:spLocks noGrp="1"/>
+          </p:cNvSpPr>
+          <p:nvPr>
+            <p:ph type="ftr" sz="quarter" idx="11"/>
+          </p:nvPr>
+        </p:nvSpPr>
+        <p:spPr/>
+        <p:txBody>
+          <a:bodyPr/>
+          <a:lstStyle/>
+          <a:p>
+            <a:r>
+              <a:rPr lang="en-US" dirty="0"/>
+              <a:t>guitariffic | </a:t>
+            </a:r>
+            <a:r>
+              <a:rPr lang="en-US" dirty="0" err="1"/>
+              <a:t>ryszard</a:t>
+            </a:r>
+            <a:r>
+              <a:rPr lang="en-US" dirty="0"/>
+              <a:t> </a:t>
+            </a:r>
+            <a:r>
+              <a:rPr lang="en-US" dirty="0" err="1"/>
+              <a:t>kilarski</a:t>
+            </a:r>
+            <a:endParaRPr lang="en-US" dirty="0"/>
+          </a:p>
+        </p:txBody>
+      </p:sp>
+      <p:sp>
+        <p:nvSpPr>
+          <p:cNvPr id="21" name="Slide Number Placeholder 20"/>
+          <p:cNvSpPr>
+            <a:spLocks noGrp="1"/>
+          </p:cNvSpPr>
+          <p:nvPr>
+            <p:ph type="sldNum" sz="quarter" idx="12"/>
+          </p:nvPr>
+        </p:nvSpPr>
+        <p:spPr/>
+        <p:txBody>
+          <a:bodyPr/>
+          <a:lstStyle/>
+          <a:p>
+            <a:fld id="{B6F15528-21DE-4FAA-801E-634DDDAF4B2B}" type="slidenum">
+              <a:rPr lang="en-US" smtClean="0"/>
+              <a:pPr/>
+              <a:t>8</a:t>
+            </a:fld>
+            <a:endParaRPr lang="en-US"/>
+          </a:p>
+        </p:txBody>
+      </p:sp>
+    </p:spTree>
+    <p:extLst>
+      <p:ext uri="{BB962C8B-B14F-4D97-AF65-F5344CB8AC3E}">
+        <p14:creationId xmlns:p14="http://schemas.microsoft.com/office/powerpoint/2010/main" val="630035555"/>
+      </p:ext>
+    </p:extLst>
+  </p:cSld>
+  <p:clrMapOvr>
+    <a:masterClrMapping/>
+  </p:clrMapOvr>
+  <p:timing>
+    <p:tnLst>
+      <p:par>
+        <p:cTn xmlns:p14="http://schemas.microsoft.com/office/powerpoint/2010/main" id="1" dur="indefinite" restart="never" nodeType="tmRoot"/>
+      </p:par>
+    </p:tnLst>
+  </p:timing>
+</p:sld>
+</file>
+
+<file path=ppt/slides/slide9.xml><?xml version="1.0" encoding="utf-8"?>
 <p:sld xmlns:a="http://schemas.openxmlformats.org/drawingml/2006/main" xmlns:r="http://schemas.openxmlformats.org/officeDocument/2006/relationships" xmlns:p="http://schemas.openxmlformats.org/presentationml/2006/main">
   <p:cSld>
     <p:spTree>
@@ -5422,7 +6509,7 @@
         <p:spPr>
           <a:xfrm>
             <a:off x="3554384" y="385503"/>
-            <a:ext cx="2590800" cy="685800"/>
+            <a:ext cx="3151216" cy="685800"/>
           </a:xfrm>
           <a:prstGeom prst="roundRect">
             <a:avLst/>
@@ -5480,7 +6567,7 @@
         <p:spPr>
           <a:xfrm>
             <a:off x="3895204" y="1371600"/>
-            <a:ext cx="2949634" cy="685800"/>
+            <a:ext cx="3191396" cy="685800"/>
           </a:xfrm>
           <a:prstGeom prst="roundRect">
             <a:avLst/>
@@ -5778,8 +6865,8 @@
         </p:nvCxnSpPr>
         <p:spPr>
           <a:xfrm flipH="1">
-            <a:off x="6844838" y="1714500"/>
-            <a:ext cx="443345" cy="0"/>
+            <a:off x="7086600" y="1714500"/>
+            <a:ext cx="201583" cy="0"/>
           </a:xfrm>
           <a:prstGeom prst="straightConnector1">
             <a:avLst/>
@@ -5919,7 +7006,7 @@
             <a:fld id="{B6F15528-21DE-4FAA-801E-634DDDAF4B2B}" type="slidenum">
               <a:rPr lang="en-US" smtClean="0"/>
               <a:pPr/>
-              <a:t>7</a:t>
+              <a:t>9</a:t>
             </a:fld>
             <a:endParaRPr lang="en-US"/>
           </a:p>
@@ -5938,911 +7025,7 @@
   <p:timing>
     <p:tnLst>
       <p:par>
-        <p:cTn id="1" dur="indefinite" restart="never" nodeType="tmRoot"/>
-      </p:par>
-    </p:tnLst>
-  </p:timing>
-</p:sld>
-</file>
-
-<file path=ppt/slides/slide8.xml><?xml version="1.0" encoding="utf-8"?>
-<p:sld xmlns:a="http://schemas.openxmlformats.org/drawingml/2006/main" xmlns:r="http://schemas.openxmlformats.org/officeDocument/2006/relationships" xmlns:p="http://schemas.openxmlformats.org/presentationml/2006/main">
-  <p:cSld>
-    <p:spTree>
-      <p:nvGrpSpPr>
-        <p:cNvPr id="1" name=""/>
-        <p:cNvGrpSpPr/>
-        <p:nvPr/>
-      </p:nvGrpSpPr>
-      <p:grpSpPr>
-        <a:xfrm>
-          <a:off x="0" y="0"/>
-          <a:ext cx="0" cy="0"/>
-          <a:chOff x="0" y="0"/>
-          <a:chExt cx="0" cy="0"/>
-        </a:xfrm>
-      </p:grpSpPr>
-      <p:sp>
-        <p:nvSpPr>
-          <p:cNvPr id="2" name="Title 1"/>
-          <p:cNvSpPr>
-            <a:spLocks noGrp="1"/>
-          </p:cNvSpPr>
-          <p:nvPr>
-            <p:ph type="title"/>
-          </p:nvPr>
-        </p:nvSpPr>
-        <p:spPr/>
-        <p:txBody>
-          <a:bodyPr/>
-          <a:lstStyle/>
-          <a:p>
-            <a:r>
-              <a:rPr lang="en-US" dirty="0" smtClean="0"/>
-              <a:t>Encapsulated image access layer</a:t>
-            </a:r>
-            <a:endParaRPr lang="en-US" dirty="0"/>
-          </a:p>
-        </p:txBody>
-      </p:sp>
-      <p:sp>
-        <p:nvSpPr>
-          <p:cNvPr id="3" name="Text Placeholder 2"/>
-          <p:cNvSpPr>
-            <a:spLocks noGrp="1"/>
-          </p:cNvSpPr>
-          <p:nvPr>
-            <p:ph type="body" idx="1"/>
-          </p:nvPr>
-        </p:nvSpPr>
-        <p:spPr/>
-        <p:txBody>
-          <a:bodyPr/>
-          <a:lstStyle/>
-          <a:p>
-            <a:r>
-              <a:rPr lang="en-US" dirty="0"/>
-              <a:t>s</a:t>
-            </a:r>
-            <a:r>
-              <a:rPr lang="en-US" dirty="0" smtClean="0"/>
-              <a:t>wap image layer with different scheme; currently implemented with </a:t>
-            </a:r>
-            <a:r>
-              <a:rPr lang="en-US" dirty="0" err="1" smtClean="0"/>
-              <a:t>flickr</a:t>
-            </a:r>
-            <a:r>
-              <a:rPr lang="en-US" dirty="0" smtClean="0"/>
-              <a:t> only</a:t>
-            </a:r>
-            <a:endParaRPr lang="en-US" dirty="0"/>
-          </a:p>
-        </p:txBody>
-      </p:sp>
-      <p:sp>
-        <p:nvSpPr>
-          <p:cNvPr id="4" name="Rounded Rectangle 3"/>
-          <p:cNvSpPr/>
-          <p:nvPr/>
-        </p:nvSpPr>
-        <p:spPr>
-          <a:xfrm>
-            <a:off x="762000" y="1485900"/>
-            <a:ext cx="1219200" cy="990600"/>
-          </a:xfrm>
-          <a:prstGeom prst="roundRect">
-            <a:avLst/>
-          </a:prstGeom>
-        </p:spPr>
-        <p:style>
-          <a:lnRef idx="2">
-            <a:schemeClr val="accent1">
-              <a:shade val="50000"/>
-            </a:schemeClr>
-          </a:lnRef>
-          <a:fillRef idx="1">
-            <a:schemeClr val="accent1"/>
-          </a:fillRef>
-          <a:effectRef idx="0">
-            <a:schemeClr val="accent1"/>
-          </a:effectRef>
-          <a:fontRef idx="minor">
-            <a:schemeClr val="lt1"/>
-          </a:fontRef>
-        </p:style>
-        <p:txBody>
-          <a:bodyPr rtlCol="0" anchor="ctr"/>
-          <a:lstStyle/>
-          <a:p>
-            <a:pPr algn="ctr"/>
-            <a:r>
-              <a:rPr lang="en-US" sz="1000" dirty="0" err="1" smtClean="0">
-                <a:latin typeface="GE Inspira Pitch" panose="020F0603030400020203" pitchFamily="34" charset="0"/>
-              </a:rPr>
-              <a:t>SongServiceImpl</a:t>
-            </a:r>
-            <a:endParaRPr lang="en-US" sz="1000" dirty="0">
-              <a:latin typeface="GE Inspira Pitch" panose="020F0603030400020203" pitchFamily="34" charset="0"/>
-            </a:endParaRPr>
-          </a:p>
-        </p:txBody>
-      </p:sp>
-      <p:sp>
-        <p:nvSpPr>
-          <p:cNvPr id="5" name="Rounded Rectangle 4"/>
-          <p:cNvSpPr/>
-          <p:nvPr/>
-        </p:nvSpPr>
-        <p:spPr>
-          <a:xfrm>
-            <a:off x="3782984" y="385503"/>
-            <a:ext cx="2590800" cy="685800"/>
-          </a:xfrm>
-          <a:prstGeom prst="roundRect">
-            <a:avLst/>
-          </a:prstGeom>
-        </p:spPr>
-        <p:style>
-          <a:lnRef idx="2">
-            <a:schemeClr val="accent1"/>
-          </a:lnRef>
-          <a:fillRef idx="1">
-            <a:schemeClr val="lt1"/>
-          </a:fillRef>
-          <a:effectRef idx="0">
-            <a:schemeClr val="accent1"/>
-          </a:effectRef>
-          <a:fontRef idx="minor">
-            <a:schemeClr val="dk1"/>
-          </a:fontRef>
-        </p:style>
-        <p:txBody>
-          <a:bodyPr rtlCol="0" anchor="ctr"/>
-          <a:lstStyle/>
-          <a:p>
-            <a:pPr algn="ctr"/>
-            <a:r>
-              <a:rPr lang="en-US" sz="1600" dirty="0" smtClean="0">
-                <a:latin typeface="GE Inspira Pitch" panose="020F0603030400020203" pitchFamily="34" charset="0"/>
-              </a:rPr>
-              <a:t>&lt;&lt;</a:t>
-            </a:r>
-            <a:r>
-              <a:rPr lang="en-US" sz="1600" dirty="0" err="1" smtClean="0">
-                <a:latin typeface="GE Inspira Pitch" panose="020F0603030400020203" pitchFamily="34" charset="0"/>
-              </a:rPr>
-              <a:t>ImageImpl</a:t>
-            </a:r>
-            <a:r>
-              <a:rPr lang="en-US" sz="1600" dirty="0" smtClean="0">
-                <a:latin typeface="GE Inspira Pitch" panose="020F0603030400020203" pitchFamily="34" charset="0"/>
-              </a:rPr>
-              <a:t>&gt;&gt;</a:t>
-            </a:r>
-            <a:endParaRPr lang="en-US" sz="1600" dirty="0">
-              <a:latin typeface="GE Inspira Pitch" panose="020F0603030400020203" pitchFamily="34" charset="0"/>
-            </a:endParaRPr>
-          </a:p>
-        </p:txBody>
-      </p:sp>
-      <p:sp>
-        <p:nvSpPr>
-          <p:cNvPr id="6" name="Rounded Rectangle 5"/>
-          <p:cNvSpPr/>
-          <p:nvPr/>
-        </p:nvSpPr>
-        <p:spPr>
-          <a:xfrm>
-            <a:off x="4123804" y="1371600"/>
-            <a:ext cx="2949634" cy="685800"/>
-          </a:xfrm>
-          <a:prstGeom prst="roundRect">
-            <a:avLst/>
-          </a:prstGeom>
-        </p:spPr>
-        <p:style>
-          <a:lnRef idx="2">
-            <a:schemeClr val="accent1">
-              <a:shade val="50000"/>
-            </a:schemeClr>
-          </a:lnRef>
-          <a:fillRef idx="1">
-            <a:schemeClr val="accent1"/>
-          </a:fillRef>
-          <a:effectRef idx="0">
-            <a:schemeClr val="accent1"/>
-          </a:effectRef>
-          <a:fontRef idx="minor">
-            <a:schemeClr val="lt1"/>
-          </a:fontRef>
-        </p:style>
-        <p:txBody>
-          <a:bodyPr rtlCol="0" anchor="ctr"/>
-          <a:lstStyle/>
-          <a:p>
-            <a:pPr algn="ctr"/>
-            <a:r>
-              <a:rPr lang="en-US" dirty="0" err="1" smtClean="0">
-                <a:latin typeface="GE Inspira Pitch" panose="020F0603030400020203" pitchFamily="34" charset="0"/>
-              </a:rPr>
-              <a:t>FlickrImageImpl</a:t>
-            </a:r>
-            <a:endParaRPr lang="en-US" dirty="0">
-              <a:latin typeface="GE Inspira Pitch" panose="020F0603030400020203" pitchFamily="34" charset="0"/>
-            </a:endParaRPr>
-          </a:p>
-        </p:txBody>
-      </p:sp>
-      <p:sp>
-        <p:nvSpPr>
-          <p:cNvPr id="7" name="Rounded Rectangle 6"/>
-          <p:cNvSpPr/>
-          <p:nvPr/>
-        </p:nvSpPr>
-        <p:spPr>
-          <a:xfrm>
-            <a:off x="7516783" y="1371600"/>
-            <a:ext cx="1474817" cy="685800"/>
-          </a:xfrm>
-          <a:prstGeom prst="roundRect">
-            <a:avLst/>
-          </a:prstGeom>
-        </p:spPr>
-        <p:style>
-          <a:lnRef idx="1">
-            <a:schemeClr val="accent6"/>
-          </a:lnRef>
-          <a:fillRef idx="2">
-            <a:schemeClr val="accent6"/>
-          </a:fillRef>
-          <a:effectRef idx="1">
-            <a:schemeClr val="accent6"/>
-          </a:effectRef>
-          <a:fontRef idx="minor">
-            <a:schemeClr val="dk1"/>
-          </a:fontRef>
-        </p:style>
-        <p:txBody>
-          <a:bodyPr rtlCol="0" anchor="ctr"/>
-          <a:lstStyle/>
-          <a:p>
-            <a:pPr algn="ctr"/>
-            <a:r>
-              <a:rPr lang="en-US" dirty="0" err="1" smtClean="0">
-                <a:latin typeface="GE Inspira Pitch" panose="020F0603030400020203" pitchFamily="34" charset="0"/>
-              </a:rPr>
-              <a:t>flickr</a:t>
-            </a:r>
-            <a:endParaRPr lang="en-US" dirty="0">
-              <a:latin typeface="GE Inspira Pitch" panose="020F0603030400020203" pitchFamily="34" charset="0"/>
-            </a:endParaRPr>
-          </a:p>
-        </p:txBody>
-      </p:sp>
-      <p:sp>
-        <p:nvSpPr>
-          <p:cNvPr id="8" name="Rounded Rectangle 7"/>
-          <p:cNvSpPr/>
-          <p:nvPr/>
-        </p:nvSpPr>
-        <p:spPr>
-          <a:xfrm>
-            <a:off x="4392583" y="2133600"/>
-            <a:ext cx="2949634" cy="685800"/>
-          </a:xfrm>
-          <a:prstGeom prst="roundRect">
-            <a:avLst/>
-          </a:prstGeom>
-        </p:spPr>
-        <p:style>
-          <a:lnRef idx="2">
-            <a:schemeClr val="accent1">
-              <a:shade val="50000"/>
-            </a:schemeClr>
-          </a:lnRef>
-          <a:fillRef idx="1">
-            <a:schemeClr val="accent1"/>
-          </a:fillRef>
-          <a:effectRef idx="0">
-            <a:schemeClr val="accent1"/>
-          </a:effectRef>
-          <a:fontRef idx="minor">
-            <a:schemeClr val="lt1"/>
-          </a:fontRef>
-        </p:style>
-        <p:txBody>
-          <a:bodyPr rtlCol="0" anchor="ctr"/>
-          <a:lstStyle/>
-          <a:p>
-            <a:pPr algn="ctr"/>
-            <a:r>
-              <a:rPr lang="en-US" dirty="0" err="1" smtClean="0">
-                <a:latin typeface="GE Inspira Pitch" panose="020F0603030400020203" pitchFamily="34" charset="0"/>
-              </a:rPr>
-              <a:t>GoogleImageImpl</a:t>
-            </a:r>
-            <a:r>
-              <a:rPr lang="en-US" dirty="0" smtClean="0">
-                <a:latin typeface="GE Inspira Pitch" panose="020F0603030400020203" pitchFamily="34" charset="0"/>
-              </a:rPr>
-              <a:t> (future?)</a:t>
-            </a:r>
-            <a:endParaRPr lang="en-US" dirty="0">
-              <a:latin typeface="GE Inspira Pitch" panose="020F0603030400020203" pitchFamily="34" charset="0"/>
-            </a:endParaRPr>
-          </a:p>
-        </p:txBody>
-      </p:sp>
-      <p:cxnSp>
-        <p:nvCxnSpPr>
-          <p:cNvPr id="12" name="Elbow Connector 11"/>
-          <p:cNvCxnSpPr/>
-          <p:nvPr/>
-        </p:nvCxnSpPr>
-        <p:spPr>
-          <a:xfrm rot="5400000">
-            <a:off x="4277244" y="894311"/>
-            <a:ext cx="647700" cy="954579"/>
-          </a:xfrm>
-          <a:prstGeom prst="bentConnector4">
-            <a:avLst>
-              <a:gd name="adj1" fmla="val 23529"/>
-              <a:gd name="adj2" fmla="val 123948"/>
-            </a:avLst>
-          </a:prstGeom>
-          <a:ln>
-            <a:tailEnd type="arrow"/>
-          </a:ln>
-        </p:spPr>
-        <p:style>
-          <a:lnRef idx="1">
-            <a:schemeClr val="accent1"/>
-          </a:lnRef>
-          <a:fillRef idx="0">
-            <a:schemeClr val="accent1"/>
-          </a:fillRef>
-          <a:effectRef idx="0">
-            <a:schemeClr val="accent1"/>
-          </a:effectRef>
-          <a:fontRef idx="minor">
-            <a:schemeClr val="tx1"/>
-          </a:fontRef>
-        </p:style>
-      </p:cxnSp>
-      <p:cxnSp>
-        <p:nvCxnSpPr>
-          <p:cNvPr id="14" name="Elbow Connector 13"/>
-          <p:cNvCxnSpPr>
-            <a:endCxn id="8" idx="1"/>
-          </p:cNvCxnSpPr>
-          <p:nvPr/>
-        </p:nvCxnSpPr>
-        <p:spPr>
-          <a:xfrm rot="5400000">
-            <a:off x="4030633" y="1428750"/>
-            <a:ext cx="1409700" cy="685800"/>
-          </a:xfrm>
-          <a:prstGeom prst="bentConnector4">
-            <a:avLst>
-              <a:gd name="adj1" fmla="val 17789"/>
-              <a:gd name="adj2" fmla="val 156363"/>
-            </a:avLst>
-          </a:prstGeom>
-          <a:ln>
-            <a:tailEnd type="arrow"/>
-          </a:ln>
-        </p:spPr>
-        <p:style>
-          <a:lnRef idx="1">
-            <a:schemeClr val="accent1"/>
-          </a:lnRef>
-          <a:fillRef idx="0">
-            <a:schemeClr val="accent1"/>
-          </a:fillRef>
-          <a:effectRef idx="0">
-            <a:schemeClr val="accent1"/>
-          </a:effectRef>
-          <a:fontRef idx="minor">
-            <a:schemeClr val="tx1"/>
-          </a:fontRef>
-        </p:style>
-      </p:cxnSp>
-      <p:sp>
-        <p:nvSpPr>
-          <p:cNvPr id="18" name="Rounded Rectangle 17"/>
-          <p:cNvSpPr/>
-          <p:nvPr/>
-        </p:nvSpPr>
-        <p:spPr>
-          <a:xfrm rot="16200000">
-            <a:off x="1377661" y="1695450"/>
-            <a:ext cx="2095500" cy="571500"/>
-          </a:xfrm>
-          <a:prstGeom prst="roundRect">
-            <a:avLst/>
-          </a:prstGeom>
-        </p:spPr>
-        <p:style>
-          <a:lnRef idx="2">
-            <a:schemeClr val="accent1">
-              <a:shade val="50000"/>
-            </a:schemeClr>
-          </a:lnRef>
-          <a:fillRef idx="1">
-            <a:schemeClr val="accent1"/>
-          </a:fillRef>
-          <a:effectRef idx="0">
-            <a:schemeClr val="accent1"/>
-          </a:effectRef>
-          <a:fontRef idx="minor">
-            <a:schemeClr val="lt1"/>
-          </a:fontRef>
-        </p:style>
-        <p:txBody>
-          <a:bodyPr rtlCol="0" anchor="ctr"/>
-          <a:lstStyle/>
-          <a:p>
-            <a:pPr algn="ctr"/>
-            <a:r>
-              <a:rPr lang="en-US" dirty="0" err="1" smtClean="0"/>
-              <a:t>ImageImpl</a:t>
-            </a:r>
-            <a:endParaRPr lang="en-US" dirty="0"/>
-          </a:p>
-        </p:txBody>
-      </p:sp>
-      <p:cxnSp>
-        <p:nvCxnSpPr>
-          <p:cNvPr id="25" name="Straight Arrow Connector 24"/>
-          <p:cNvCxnSpPr>
-            <a:stCxn id="4" idx="3"/>
-            <a:endCxn id="18" idx="0"/>
-          </p:cNvCxnSpPr>
-          <p:nvPr/>
-        </p:nvCxnSpPr>
-        <p:spPr>
-          <a:xfrm>
-            <a:off x="1981200" y="1981200"/>
-            <a:ext cx="158461" cy="0"/>
-          </a:xfrm>
-          <a:prstGeom prst="straightConnector1">
-            <a:avLst/>
-          </a:prstGeom>
-          <a:ln>
-            <a:tailEnd type="arrow"/>
-          </a:ln>
-        </p:spPr>
-        <p:style>
-          <a:lnRef idx="1">
-            <a:schemeClr val="accent1"/>
-          </a:lnRef>
-          <a:fillRef idx="0">
-            <a:schemeClr val="accent1"/>
-          </a:fillRef>
-          <a:effectRef idx="0">
-            <a:schemeClr val="accent1"/>
-          </a:effectRef>
-          <a:fontRef idx="minor">
-            <a:schemeClr val="tx1"/>
-          </a:fontRef>
-        </p:style>
-      </p:cxnSp>
-      <p:cxnSp>
-        <p:nvCxnSpPr>
-          <p:cNvPr id="29" name="Straight Arrow Connector 28"/>
-          <p:cNvCxnSpPr>
-            <a:stCxn id="7" idx="1"/>
-            <a:endCxn id="6" idx="3"/>
-          </p:cNvCxnSpPr>
-          <p:nvPr/>
-        </p:nvCxnSpPr>
-        <p:spPr>
-          <a:xfrm flipH="1">
-            <a:off x="7073438" y="1714500"/>
-            <a:ext cx="443345" cy="0"/>
-          </a:xfrm>
-          <a:prstGeom prst="straightConnector1">
-            <a:avLst/>
-          </a:prstGeom>
-          <a:ln>
-            <a:tailEnd type="arrow"/>
-          </a:ln>
-        </p:spPr>
-        <p:style>
-          <a:lnRef idx="1">
-            <a:schemeClr val="accent1"/>
-          </a:lnRef>
-          <a:fillRef idx="0">
-            <a:schemeClr val="accent1"/>
-          </a:fillRef>
-          <a:effectRef idx="0">
-            <a:schemeClr val="accent1"/>
-          </a:effectRef>
-          <a:fontRef idx="minor">
-            <a:schemeClr val="tx1"/>
-          </a:fontRef>
-        </p:style>
-      </p:cxnSp>
-      <p:sp>
-        <p:nvSpPr>
-          <p:cNvPr id="30" name="Left-Right Arrow 29"/>
-          <p:cNvSpPr/>
-          <p:nvPr/>
-        </p:nvSpPr>
-        <p:spPr>
-          <a:xfrm>
-            <a:off x="2819400" y="1822392"/>
-            <a:ext cx="887384" cy="285750"/>
-          </a:xfrm>
-          <a:prstGeom prst="leftRightArrow">
-            <a:avLst/>
-          </a:prstGeom>
-        </p:spPr>
-        <p:style>
-          <a:lnRef idx="2">
-            <a:schemeClr val="accent1">
-              <a:shade val="50000"/>
-            </a:schemeClr>
-          </a:lnRef>
-          <a:fillRef idx="1">
-            <a:schemeClr val="accent1"/>
-          </a:fillRef>
-          <a:effectRef idx="0">
-            <a:schemeClr val="accent1"/>
-          </a:effectRef>
-          <a:fontRef idx="minor">
-            <a:schemeClr val="lt1"/>
-          </a:fontRef>
-        </p:style>
-        <p:txBody>
-          <a:bodyPr rtlCol="0" anchor="ctr"/>
-          <a:lstStyle/>
-          <a:p>
-            <a:pPr algn="ctr"/>
-            <a:endParaRPr lang="en-US"/>
-          </a:p>
-        </p:txBody>
-      </p:sp>
-      <p:sp>
-        <p:nvSpPr>
-          <p:cNvPr id="15" name="Rounded Rectangle 14"/>
-          <p:cNvSpPr/>
-          <p:nvPr/>
-        </p:nvSpPr>
-        <p:spPr>
-          <a:xfrm>
-            <a:off x="7669183" y="2133600"/>
-            <a:ext cx="1474817" cy="685800"/>
-          </a:xfrm>
-          <a:prstGeom prst="roundRect">
-            <a:avLst/>
-          </a:prstGeom>
-        </p:spPr>
-        <p:style>
-          <a:lnRef idx="1">
-            <a:schemeClr val="accent6"/>
-          </a:lnRef>
-          <a:fillRef idx="2">
-            <a:schemeClr val="accent6"/>
-          </a:fillRef>
-          <a:effectRef idx="1">
-            <a:schemeClr val="accent6"/>
-          </a:effectRef>
-          <a:fontRef idx="minor">
-            <a:schemeClr val="dk1"/>
-          </a:fontRef>
-        </p:style>
-        <p:txBody>
-          <a:bodyPr rtlCol="0" anchor="ctr"/>
-          <a:lstStyle/>
-          <a:p>
-            <a:pPr algn="ctr"/>
-            <a:r>
-              <a:rPr lang="en-US" dirty="0" smtClean="0">
-                <a:latin typeface="GE Inspira Pitch" panose="020F0603030400020203" pitchFamily="34" charset="0"/>
-              </a:rPr>
-              <a:t>Google images</a:t>
-            </a:r>
-            <a:endParaRPr lang="en-US" dirty="0">
-              <a:latin typeface="GE Inspira Pitch" panose="020F0603030400020203" pitchFamily="34" charset="0"/>
-            </a:endParaRPr>
-          </a:p>
-        </p:txBody>
-      </p:sp>
-      <p:cxnSp>
-        <p:nvCxnSpPr>
-          <p:cNvPr id="16" name="Straight Arrow Connector 15"/>
-          <p:cNvCxnSpPr>
-            <a:stCxn id="15" idx="1"/>
-            <a:endCxn id="8" idx="3"/>
-          </p:cNvCxnSpPr>
-          <p:nvPr/>
-        </p:nvCxnSpPr>
-        <p:spPr>
-          <a:xfrm flipH="1">
-            <a:off x="7342217" y="2476500"/>
-            <a:ext cx="326966" cy="0"/>
-          </a:xfrm>
-          <a:prstGeom prst="straightConnector1">
-            <a:avLst/>
-          </a:prstGeom>
-          <a:ln>
-            <a:tailEnd type="arrow"/>
-          </a:ln>
-        </p:spPr>
-        <p:style>
-          <a:lnRef idx="1">
-            <a:schemeClr val="accent1"/>
-          </a:lnRef>
-          <a:fillRef idx="0">
-            <a:schemeClr val="accent1"/>
-          </a:fillRef>
-          <a:effectRef idx="0">
-            <a:schemeClr val="accent1"/>
-          </a:effectRef>
-          <a:fontRef idx="minor">
-            <a:schemeClr val="tx1"/>
-          </a:fontRef>
-        </p:style>
-      </p:cxnSp>
-      <p:sp>
-        <p:nvSpPr>
-          <p:cNvPr id="19" name="Date Placeholder 18"/>
-          <p:cNvSpPr>
-            <a:spLocks noGrp="1"/>
-          </p:cNvSpPr>
-          <p:nvPr>
-            <p:ph type="dt" sz="half" idx="10"/>
-          </p:nvPr>
-        </p:nvSpPr>
-        <p:spPr/>
-        <p:txBody>
-          <a:bodyPr/>
-          <a:lstStyle/>
-          <a:p>
-            <a:r>
-              <a:rPr lang="en-US" smtClean="0"/>
-              <a:t>4/28/2014</a:t>
-            </a:r>
-            <a:endParaRPr lang="en-US" dirty="0"/>
-          </a:p>
-        </p:txBody>
-      </p:sp>
-      <p:sp>
-        <p:nvSpPr>
-          <p:cNvPr id="20" name="Footer Placeholder 19"/>
-          <p:cNvSpPr>
-            <a:spLocks noGrp="1"/>
-          </p:cNvSpPr>
-          <p:nvPr>
-            <p:ph type="ftr" sz="quarter" idx="11"/>
-          </p:nvPr>
-        </p:nvSpPr>
-        <p:spPr/>
-        <p:txBody>
-          <a:bodyPr/>
-          <a:lstStyle/>
-          <a:p>
-            <a:r>
-              <a:rPr lang="en-US" dirty="0"/>
-              <a:t>guitariffic | </a:t>
-            </a:r>
-            <a:r>
-              <a:rPr lang="en-US" dirty="0" err="1"/>
-              <a:t>ryszard</a:t>
-            </a:r>
-            <a:r>
-              <a:rPr lang="en-US" dirty="0"/>
-              <a:t> </a:t>
-            </a:r>
-            <a:r>
-              <a:rPr lang="en-US" dirty="0" err="1"/>
-              <a:t>kilarski</a:t>
-            </a:r>
-            <a:endParaRPr lang="en-US" dirty="0"/>
-          </a:p>
-        </p:txBody>
-      </p:sp>
-      <p:sp>
-        <p:nvSpPr>
-          <p:cNvPr id="21" name="Slide Number Placeholder 20"/>
-          <p:cNvSpPr>
-            <a:spLocks noGrp="1"/>
-          </p:cNvSpPr>
-          <p:nvPr>
-            <p:ph type="sldNum" sz="quarter" idx="12"/>
-          </p:nvPr>
-        </p:nvSpPr>
-        <p:spPr/>
-        <p:txBody>
-          <a:bodyPr/>
-          <a:lstStyle/>
-          <a:p>
-            <a:fld id="{B6F15528-21DE-4FAA-801E-634DDDAF4B2B}" type="slidenum">
-              <a:rPr lang="en-US" smtClean="0"/>
-              <a:pPr/>
-              <a:t>8</a:t>
-            </a:fld>
-            <a:endParaRPr lang="en-US"/>
-          </a:p>
-        </p:txBody>
-      </p:sp>
-    </p:spTree>
-    <p:extLst>
-      <p:ext uri="{BB962C8B-B14F-4D97-AF65-F5344CB8AC3E}">
-        <p14:creationId xmlns:p14="http://schemas.microsoft.com/office/powerpoint/2010/main" val="630035555"/>
-      </p:ext>
-    </p:extLst>
-  </p:cSld>
-  <p:clrMapOvr>
-    <a:masterClrMapping/>
-  </p:clrMapOvr>
-  <p:timing>
-    <p:tnLst>
-      <p:par>
-        <p:cTn id="1" dur="indefinite" restart="never" nodeType="tmRoot"/>
-      </p:par>
-    </p:tnLst>
-  </p:timing>
-</p:sld>
-</file>
-
-<file path=ppt/slides/slide9.xml><?xml version="1.0" encoding="utf-8"?>
-<p:sld xmlns:a="http://schemas.openxmlformats.org/drawingml/2006/main" xmlns:r="http://schemas.openxmlformats.org/officeDocument/2006/relationships" xmlns:p="http://schemas.openxmlformats.org/presentationml/2006/main">
-  <p:cSld>
-    <p:spTree>
-      <p:nvGrpSpPr>
-        <p:cNvPr id="1" name=""/>
-        <p:cNvGrpSpPr/>
-        <p:nvPr/>
-      </p:nvGrpSpPr>
-      <p:grpSpPr>
-        <a:xfrm>
-          <a:off x="0" y="0"/>
-          <a:ext cx="0" cy="0"/>
-          <a:chOff x="0" y="0"/>
-          <a:chExt cx="0" cy="0"/>
-        </a:xfrm>
-      </p:grpSpPr>
-      <p:sp>
-        <p:nvSpPr>
-          <p:cNvPr id="2" name="Title 1"/>
-          <p:cNvSpPr>
-            <a:spLocks noGrp="1"/>
-          </p:cNvSpPr>
-          <p:nvPr>
-            <p:ph type="title"/>
-          </p:nvPr>
-        </p:nvSpPr>
-        <p:spPr/>
-        <p:txBody>
-          <a:bodyPr/>
-          <a:lstStyle/>
-          <a:p>
-            <a:r>
-              <a:rPr lang="en-US" dirty="0" err="1" smtClean="0"/>
-              <a:t>soapUI</a:t>
-            </a:r>
-            <a:endParaRPr lang="en-US" dirty="0"/>
-          </a:p>
-        </p:txBody>
-      </p:sp>
-      <p:sp>
-        <p:nvSpPr>
-          <p:cNvPr id="3" name="Text Placeholder 2"/>
-          <p:cNvSpPr>
-            <a:spLocks noGrp="1"/>
-          </p:cNvSpPr>
-          <p:nvPr>
-            <p:ph type="body" idx="1"/>
-          </p:nvPr>
-        </p:nvSpPr>
-        <p:spPr/>
-        <p:txBody>
-          <a:bodyPr/>
-          <a:lstStyle/>
-          <a:p>
-            <a:endParaRPr lang="en-US"/>
-          </a:p>
-        </p:txBody>
-      </p:sp>
-      <p:sp>
-        <p:nvSpPr>
-          <p:cNvPr id="4" name="Date Placeholder 3"/>
-          <p:cNvSpPr>
-            <a:spLocks noGrp="1"/>
-          </p:cNvSpPr>
-          <p:nvPr>
-            <p:ph type="dt" sz="half" idx="10"/>
-          </p:nvPr>
-        </p:nvSpPr>
-        <p:spPr/>
-        <p:txBody>
-          <a:bodyPr/>
-          <a:lstStyle/>
-          <a:p>
-            <a:r>
-              <a:rPr lang="en-US" smtClean="0"/>
-              <a:t>4/28/2014</a:t>
-            </a:r>
-            <a:endParaRPr lang="en-US" dirty="0"/>
-          </a:p>
-        </p:txBody>
-      </p:sp>
-      <p:sp>
-        <p:nvSpPr>
-          <p:cNvPr id="5" name="Footer Placeholder 4"/>
-          <p:cNvSpPr>
-            <a:spLocks noGrp="1"/>
-          </p:cNvSpPr>
-          <p:nvPr>
-            <p:ph type="ftr" sz="quarter" idx="11"/>
-          </p:nvPr>
-        </p:nvSpPr>
-        <p:spPr/>
-        <p:txBody>
-          <a:bodyPr/>
-          <a:lstStyle/>
-          <a:p>
-            <a:r>
-              <a:rPr lang="en-US" dirty="0"/>
-              <a:t>guitariffic | </a:t>
-            </a:r>
-            <a:r>
-              <a:rPr lang="en-US" dirty="0" err="1"/>
-              <a:t>ryszard</a:t>
-            </a:r>
-            <a:r>
-              <a:rPr lang="en-US" dirty="0"/>
-              <a:t> </a:t>
-            </a:r>
-            <a:r>
-              <a:rPr lang="en-US" dirty="0" err="1"/>
-              <a:t>kilarski</a:t>
-            </a:r>
-            <a:endParaRPr lang="en-US" dirty="0"/>
-          </a:p>
-        </p:txBody>
-      </p:sp>
-      <p:sp>
-        <p:nvSpPr>
-          <p:cNvPr id="6" name="Slide Number Placeholder 5"/>
-          <p:cNvSpPr>
-            <a:spLocks noGrp="1"/>
-          </p:cNvSpPr>
-          <p:nvPr>
-            <p:ph type="sldNum" sz="quarter" idx="12"/>
-          </p:nvPr>
-        </p:nvSpPr>
-        <p:spPr/>
-        <p:txBody>
-          <a:bodyPr/>
-          <a:lstStyle/>
-          <a:p>
-            <a:fld id="{B6F15528-21DE-4FAA-801E-634DDDAF4B2B}" type="slidenum">
-              <a:rPr lang="en-US" smtClean="0"/>
-              <a:pPr/>
-              <a:t>9</a:t>
-            </a:fld>
-            <a:endParaRPr lang="en-US"/>
-          </a:p>
-        </p:txBody>
-      </p:sp>
-    </p:spTree>
-    <p:extLst>
-      <p:ext uri="{BB962C8B-B14F-4D97-AF65-F5344CB8AC3E}">
-        <p14:creationId xmlns:p14="http://schemas.microsoft.com/office/powerpoint/2010/main" val="3491107972"/>
-      </p:ext>
-    </p:extLst>
-  </p:cSld>
-  <p:clrMapOvr>
-    <a:masterClrMapping/>
-  </p:clrMapOvr>
-  <p:timing>
-    <p:tnLst>
-      <p:par>
-        <p:cTn id="1" dur="indefinite" restart="never" nodeType="tmRoot"/>
+        <p:cTn xmlns:p14="http://schemas.microsoft.com/office/powerpoint/2010/main" id="1" dur="indefinite" restart="never" nodeType="tmRoot"/>
       </p:par>
     </p:tnLst>
   </p:timing>

--- a/guitarifficWS/Guitariffic Presentation.pptx
+++ b/guitarifficWS/Guitariffic Presentation.pptx
@@ -22,6 +22,21 @@
   </p:sldIdLst>
   <p:sldSz cx="9144000" cy="6858000" type="screen4x3"/>
   <p:notesSz cx="6858000" cy="9144000"/>
+  <p:embeddedFontLst>
+    <p:embeddedFont>
+      <p:font typeface="Calibri" panose="020F0502020204030204" pitchFamily="34" charset="0"/>
+      <p:regular r:id="rId14"/>
+      <p:bold r:id="rId15"/>
+      <p:italic r:id="rId16"/>
+      <p:boldItalic r:id="rId17"/>
+    </p:embeddedFont>
+    <p:embeddedFont>
+      <p:font typeface="GE Inspira Pitch" panose="020F0603030400020203" pitchFamily="34" charset="0"/>
+      <p:regular r:id="rId18"/>
+      <p:bold r:id="rId19"/>
+      <p:italic r:id="rId20"/>
+    </p:embeddedFont>
+  </p:embeddedFontLst>
   <p:defaultTextStyle>
     <a:defPPr>
       <a:defRPr lang="en-US"/>
@@ -223,7 +238,7 @@
           <a:p>
             <a:fld id="{8BD53671-9583-4283-9E9C-4743B442819A}" type="datetimeFigureOut">
               <a:rPr lang="en-US" smtClean="0"/>
-              <a:t>4/24/14</a:t>
+              <a:t>4/25/2014</a:t>
             </a:fld>
             <a:endParaRPr lang="en-US"/>
           </a:p>
@@ -1506,7 +1521,7 @@
   <p:timing>
     <p:tnLst>
       <p:par>
-        <p:cTn xmlns:p14="http://schemas.microsoft.com/office/powerpoint/2010/main" id="1" dur="indefinite" restart="never" nodeType="tmRoot"/>
+        <p:cTn id="1" dur="indefinite" restart="never" nodeType="tmRoot"/>
       </p:par>
     </p:tnLst>
   </p:timing>
@@ -3229,7 +3244,7 @@
   <p:timing>
     <p:tnLst>
       <p:par>
-        <p:cTn xmlns:p14="http://schemas.microsoft.com/office/powerpoint/2010/main" id="1" dur="indefinite" restart="never" nodeType="tmRoot"/>
+        <p:cTn id="1" dur="indefinite" restart="never" nodeType="tmRoot"/>
       </p:par>
     </p:tnLst>
   </p:timing>
@@ -3604,7 +3619,7 @@
             </a:outerShdw>
           </a:effectLst>
           <a:extLst>
-            <a:ext uri="{909E8E84-426E-40dd-AFC4-6F175D3DCCD1}">
+            <a:ext uri="{909E8E84-426E-40DD-AFC4-6F175D3DCCD1}">
               <a14:hiddenFill xmlns:a14="http://schemas.microsoft.com/office/drawing/2010/main">
                 <a:solidFill>
                   <a:srgbClr val="FFFFFF"/>
@@ -3709,7 +3724,7 @@
   <p:timing>
     <p:tnLst>
       <p:par>
-        <p:cTn xmlns:p14="http://schemas.microsoft.com/office/powerpoint/2010/main" id="1" dur="indefinite" restart="never" nodeType="tmRoot"/>
+        <p:cTn id="1" dur="indefinite" restart="never" nodeType="tmRoot"/>
       </p:par>
     </p:tnLst>
   </p:timing>
@@ -3768,13 +3783,30 @@
         </p:nvSpPr>
         <p:spPr/>
         <p:txBody>
-          <a:bodyPr/>
-          <a:lstStyle/>
+          <a:bodyPr>
+            <a:normAutofit fontScale="92500" lnSpcReduction="20000"/>
+          </a:bodyPr>
+          <a:lstStyle/>
+          <a:p>
+            <a:endParaRPr lang="en-US" dirty="0" smtClean="0"/>
+          </a:p>
+          <a:p>
+            <a:endParaRPr lang="en-US" dirty="0"/>
+          </a:p>
+          <a:p>
+            <a:r>
+              <a:rPr lang="en-US" dirty="0" err="1" smtClean="0"/>
+              <a:t>wsdl</a:t>
+            </a:r>
+            <a:endParaRPr lang="en-US" dirty="0" smtClean="0"/>
+          </a:p>
           <a:p>
             <a:r>
               <a:rPr lang="en-US" dirty="0" smtClean="0"/>
-              <a:t>rest test client, use </a:t>
-            </a:r>
+              <a:t>REST-based test client</a:t>
+            </a:r>
+          </a:p>
+          <a:p>
             <a:r>
               <a:rPr lang="en-US" dirty="0" err="1" smtClean="0"/>
               <a:t>SoapUI</a:t>
@@ -3826,8 +3858,20 @@
           <a:lstStyle/>
           <a:p>
             <a:r>
-              <a:rPr lang="en-US" smtClean="0"/>
-              <a:t>ryszard kilarski</a:t>
+              <a:rPr lang="en-US" dirty="0"/>
+              <a:t>guitariffic | </a:t>
+            </a:r>
+            <a:r>
+              <a:rPr lang="en-US" dirty="0" err="1"/>
+              <a:t>ryszard</a:t>
+            </a:r>
+            <a:r>
+              <a:rPr lang="en-US" dirty="0"/>
+              <a:t> </a:t>
+            </a:r>
+            <a:r>
+              <a:rPr lang="en-US" dirty="0" err="1"/>
+              <a:t>kilarski</a:t>
             </a:r>
             <a:endParaRPr lang="en-US" dirty="0"/>
           </a:p>
@@ -3857,6 +3901,75 @@
           </a:p>
         </p:txBody>
       </p:sp>
+      <p:pic>
+        <p:nvPicPr>
+          <p:cNvPr id="1026" name="Picture 2"/>
+          <p:cNvPicPr>
+            <a:picLocks noChangeAspect="1" noChangeArrowheads="1"/>
+          </p:cNvPicPr>
+          <p:nvPr/>
+        </p:nvPicPr>
+        <p:blipFill>
+          <a:blip r:embed="rId2">
+            <a:extLst>
+              <a:ext uri="{28A0092B-C50C-407E-A947-70E740481C1C}">
+                <a14:useLocalDpi xmlns:a14="http://schemas.microsoft.com/office/drawing/2010/main" val="0"/>
+              </a:ext>
+            </a:extLst>
+          </a:blip>
+          <a:srcRect/>
+          <a:stretch>
+            <a:fillRect/>
+          </a:stretch>
+        </p:blipFill>
+        <p:spPr bwMode="auto">
+          <a:xfrm>
+            <a:off x="4800600" y="283029"/>
+            <a:ext cx="3601472" cy="3984171"/>
+          </a:xfrm>
+          <a:prstGeom prst="rect">
+            <a:avLst/>
+          </a:prstGeom>
+          <a:ln>
+            <a:noFill/>
+          </a:ln>
+          <a:effectLst>
+            <a:outerShdw blurRad="292100" dist="139700" dir="2700000" algn="tl" rotWithShape="0">
+              <a:srgbClr val="333333">
+                <a:alpha val="65000"/>
+              </a:srgbClr>
+            </a:outerShdw>
+          </a:effectLst>
+          <a:extLst>
+            <a:ext uri="{909E8E84-426E-40DD-AFC4-6F175D3DCCD1}">
+              <a14:hiddenFill xmlns:a14="http://schemas.microsoft.com/office/drawing/2010/main">
+                <a:solidFill>
+                  <a:schemeClr val="accent1"/>
+                </a:solidFill>
+              </a14:hiddenFill>
+            </a:ext>
+            <a:ext uri="{91240B29-F687-4F45-9708-019B960494DF}">
+              <a14:hiddenLine xmlns:a14="http://schemas.microsoft.com/office/drawing/2010/main" w="9525">
+                <a:solidFill>
+                  <a:schemeClr val="tx1"/>
+                </a:solidFill>
+                <a:miter lim="800000"/>
+                <a:headEnd/>
+                <a:tailEnd/>
+              </a14:hiddenLine>
+            </a:ext>
+            <a:ext uri="{AF507438-7753-43E0-B8FC-AC1667EBCBE1}">
+              <a14:hiddenEffects xmlns:a14="http://schemas.microsoft.com/office/drawing/2010/main">
+                <a:effectLst>
+                  <a:outerShdw dist="35921" dir="2700000" algn="ctr" rotWithShape="0">
+                    <a:schemeClr val="bg2"/>
+                  </a:outerShdw>
+                </a:effectLst>
+              </a14:hiddenEffects>
+            </a:ext>
+          </a:extLst>
+        </p:spPr>
+      </p:pic>
     </p:spTree>
     <p:extLst>
       <p:ext uri="{BB962C8B-B14F-4D97-AF65-F5344CB8AC3E}">
@@ -4027,7 +4140,7 @@
   <p:timing>
     <p:tnLst>
       <p:par>
-        <p:cTn xmlns:p14="http://schemas.microsoft.com/office/powerpoint/2010/main" id="1" dur="indefinite" restart="never" nodeType="tmRoot"/>
+        <p:cTn id="1" dur="indefinite" restart="never" nodeType="tmRoot"/>
       </p:par>
     </p:tnLst>
   </p:timing>
@@ -4142,14 +4255,14 @@
             </a:outerShdw>
           </a:effectLst>
           <a:extLst>
-            <a:ext uri="{909E8E84-426E-40dd-AFC4-6F175D3DCCD1}">
+            <a:ext uri="{909E8E84-426E-40DD-AFC4-6F175D3DCCD1}">
               <a14:hiddenFill xmlns:a14="http://schemas.microsoft.com/office/drawing/2010/main">
                 <a:solidFill>
                   <a:schemeClr val="accent1"/>
                 </a:solidFill>
               </a14:hiddenFill>
             </a:ext>
-            <a:ext uri="{91240B29-F687-4f45-9708-019B960494DF}">
+            <a:ext uri="{91240B29-F687-4F45-9708-019B960494DF}">
               <a14:hiddenLine xmlns:a14="http://schemas.microsoft.com/office/drawing/2010/main" w="9525">
                 <a:solidFill>
                   <a:schemeClr val="tx1"/>
@@ -4257,7 +4370,7 @@
   <p:timing>
     <p:tnLst>
       <p:par>
-        <p:cTn xmlns:p14="http://schemas.microsoft.com/office/powerpoint/2010/main" id="1" dur="indefinite" restart="never" nodeType="tmRoot"/>
+        <p:cTn id="1" dur="indefinite" restart="never" nodeType="tmRoot"/>
       </p:par>
     </p:tnLst>
   </p:timing>
@@ -4297,12 +4410,8 @@
           <a:lstStyle/>
           <a:p>
             <a:r>
-              <a:rPr lang="en-US" dirty="0" err="1" smtClean="0"/>
-              <a:t>Guitariffic</a:t>
-            </a:r>
-            <a:r>
               <a:rPr lang="en-US" dirty="0" smtClean="0"/>
-              <a:t>!</a:t>
+              <a:t>Guitariffic!</a:t>
             </a:r>
             <a:endParaRPr lang="en-US" dirty="0"/>
           </a:p>
@@ -4310,6 +4419,58 @@
       </p:sp>
       <p:sp>
         <p:nvSpPr>
+          <p:cNvPr id="3" name="Text Placeholder 2"/>
+          <p:cNvSpPr>
+            <a:spLocks noGrp="1"/>
+          </p:cNvSpPr>
+          <p:nvPr>
+            <p:ph type="body" idx="1"/>
+          </p:nvPr>
+        </p:nvSpPr>
+        <p:spPr/>
+        <p:txBody>
+          <a:bodyPr>
+            <a:normAutofit/>
+          </a:bodyPr>
+          <a:lstStyle/>
+          <a:p>
+            <a:r>
+              <a:rPr lang="en-US" sz="1600" dirty="0"/>
+              <a:t>d</a:t>
+            </a:r>
+            <a:r>
+              <a:rPr lang="en-US" sz="1600" dirty="0" smtClean="0"/>
+              <a:t>esigned in cs679</a:t>
+            </a:r>
+          </a:p>
+          <a:p>
+            <a:r>
+              <a:rPr lang="en-US" sz="1600" dirty="0" smtClean="0"/>
+              <a:t>rebuilt in html/</a:t>
+            </a:r>
+            <a:r>
+              <a:rPr lang="en-US" sz="1600" dirty="0" err="1" smtClean="0"/>
+              <a:t>js</a:t>
+            </a:r>
+            <a:r>
+              <a:rPr lang="en-US" sz="1600" dirty="0" smtClean="0"/>
+              <a:t> in cs701</a:t>
+            </a:r>
+          </a:p>
+          <a:p>
+            <a:r>
+              <a:rPr lang="en-US" sz="1600" dirty="0" err="1" smtClean="0"/>
+              <a:t>servicified</a:t>
+            </a:r>
+            <a:r>
+              <a:rPr lang="en-US" sz="1600" dirty="0" smtClean="0"/>
+              <a:t> in cs751</a:t>
+            </a:r>
+          </a:p>
+        </p:txBody>
+      </p:sp>
+      <p:sp>
+        <p:nvSpPr>
           <p:cNvPr id="4" name="Date Placeholder 3"/>
           <p:cNvSpPr>
             <a:spLocks noGrp="1"/>
@@ -4347,8 +4508,20 @@
           <a:lstStyle/>
           <a:p>
             <a:r>
-              <a:rPr lang="en-US" smtClean="0"/>
-              <a:t>ryszard kilarski</a:t>
+              <a:rPr lang="en-US" dirty="0"/>
+              <a:t>guitariffic | </a:t>
+            </a:r>
+            <a:r>
+              <a:rPr lang="en-US" dirty="0" err="1"/>
+              <a:t>ryszard</a:t>
+            </a:r>
+            <a:r>
+              <a:rPr lang="en-US" dirty="0"/>
+              <a:t> </a:t>
+            </a:r>
+            <a:r>
+              <a:rPr lang="en-US" dirty="0" err="1"/>
+              <a:t>kilarski</a:t>
             </a:r>
             <a:endParaRPr lang="en-US" dirty="0"/>
           </a:p>
@@ -4401,7 +4574,7 @@
         </p:blipFill>
         <p:spPr bwMode="auto">
           <a:xfrm>
-            <a:off x="1897062" y="152400"/>
+            <a:off x="3429000" y="152400"/>
             <a:ext cx="5349875" cy="4148666"/>
           </a:xfrm>
           <a:prstGeom prst="rect">
@@ -4418,14 +4591,14 @@
             </a:outerShdw>
           </a:effectLst>
           <a:extLst>
-            <a:ext uri="{909E8E84-426E-40dd-AFC4-6F175D3DCCD1}">
+            <a:ext uri="{909E8E84-426E-40DD-AFC4-6F175D3DCCD1}">
               <a14:hiddenFill xmlns:a14="http://schemas.microsoft.com/office/drawing/2010/main">
                 <a:solidFill>
                   <a:schemeClr val="accent1"/>
                 </a:solidFill>
               </a14:hiddenFill>
             </a:ext>
-            <a:ext uri="{91240B29-F687-4f45-9708-019B960494DF}">
+            <a:ext uri="{91240B29-F687-4F45-9708-019B960494DF}">
               <a14:hiddenLine xmlns:a14="http://schemas.microsoft.com/office/drawing/2010/main" w="9525">
                 <a:solidFill>
                   <a:schemeClr val="tx1"/>
@@ -4554,14 +4727,14 @@
             </a:outerShdw>
           </a:effectLst>
           <a:extLst>
-            <a:ext uri="{909E8E84-426E-40dd-AFC4-6F175D3DCCD1}">
+            <a:ext uri="{909E8E84-426E-40DD-AFC4-6F175D3DCCD1}">
               <a14:hiddenFill xmlns:a14="http://schemas.microsoft.com/office/drawing/2010/main">
                 <a:solidFill>
                   <a:schemeClr val="accent1"/>
                 </a:solidFill>
               </a14:hiddenFill>
             </a:ext>
-            <a:ext uri="{91240B29-F687-4f45-9708-019B960494DF}">
+            <a:ext uri="{91240B29-F687-4F45-9708-019B960494DF}">
               <a14:hiddenLine xmlns:a14="http://schemas.microsoft.com/office/drawing/2010/main" w="9525">
                 <a:solidFill>
                   <a:schemeClr val="tx1"/>
@@ -4669,7 +4842,7 @@
   <p:timing>
     <p:tnLst>
       <p:par>
-        <p:cTn xmlns:p14="http://schemas.microsoft.com/office/powerpoint/2010/main" id="1" dur="indefinite" restart="never" nodeType="tmRoot"/>
+        <p:cTn id="1" dur="indefinite" restart="never" nodeType="tmRoot"/>
       </p:par>
     </p:tnLst>
   </p:timing>
@@ -4744,9 +4917,95 @@
           </a:p>
         </p:txBody>
       </p:sp>
+      <p:sp>
+        <p:nvSpPr>
+          <p:cNvPr id="7" name="Date Placeholder 6"/>
+          <p:cNvSpPr>
+            <a:spLocks noGrp="1"/>
+          </p:cNvSpPr>
+          <p:nvPr>
+            <p:ph type="dt" sz="half" idx="10"/>
+          </p:nvPr>
+        </p:nvSpPr>
+        <p:spPr/>
+        <p:txBody>
+          <a:bodyPr/>
+          <a:lstStyle/>
+          <a:p>
+            <a:r>
+              <a:rPr lang="en-US" smtClean="0"/>
+              <a:t>4/28/2014</a:t>
+            </a:r>
+            <a:endParaRPr lang="en-US" dirty="0"/>
+          </a:p>
+        </p:txBody>
+      </p:sp>
+      <p:sp>
+        <p:nvSpPr>
+          <p:cNvPr id="8" name="Footer Placeholder 7"/>
+          <p:cNvSpPr>
+            <a:spLocks noGrp="1"/>
+          </p:cNvSpPr>
+          <p:nvPr>
+            <p:ph type="ftr" sz="quarter" idx="11"/>
+          </p:nvPr>
+        </p:nvSpPr>
+        <p:spPr/>
+        <p:txBody>
+          <a:bodyPr/>
+          <a:lstStyle/>
+          <a:p>
+            <a:r>
+              <a:rPr lang="en-US" dirty="0"/>
+              <a:t>guitariffic </a:t>
+            </a:r>
+            <a:r>
+              <a:rPr lang="en-US" dirty="0" smtClean="0"/>
+              <a:t>| </a:t>
+            </a:r>
+            <a:r>
+              <a:rPr lang="en-US" dirty="0" err="1" smtClean="0"/>
+              <a:t>ryszard</a:t>
+            </a:r>
+            <a:r>
+              <a:rPr lang="en-US" dirty="0" smtClean="0"/>
+              <a:t> </a:t>
+            </a:r>
+            <a:r>
+              <a:rPr lang="en-US" dirty="0" err="1" smtClean="0"/>
+              <a:t>kilarski</a:t>
+            </a:r>
+            <a:endParaRPr lang="en-US" dirty="0"/>
+          </a:p>
+        </p:txBody>
+      </p:sp>
+      <p:sp>
+        <p:nvSpPr>
+          <p:cNvPr id="9" name="Slide Number Placeholder 8"/>
+          <p:cNvSpPr>
+            <a:spLocks noGrp="1"/>
+          </p:cNvSpPr>
+          <p:nvPr>
+            <p:ph type="sldNum" sz="quarter" idx="12"/>
+          </p:nvPr>
+        </p:nvSpPr>
+        <p:spPr/>
+        <p:txBody>
+          <a:bodyPr/>
+          <a:lstStyle/>
+          <a:p>
+            <a:fld id="{B6F15528-21DE-4FAA-801E-634DDDAF4B2B}" type="slidenum">
+              <a:rPr lang="en-US" smtClean="0"/>
+              <a:pPr/>
+              <a:t>5</a:t>
+            </a:fld>
+            <a:endParaRPr lang="en-US"/>
+          </a:p>
+        </p:txBody>
+      </p:sp>
       <p:pic>
         <p:nvPicPr>
-          <p:cNvPr id="5122" name="Picture 2"/>
+          <p:cNvPr id="10" name="Picture 2"/>
           <p:cNvPicPr>
             <a:picLocks noChangeAspect="1" noChangeArrowheads="1"/>
           </p:cNvPicPr>
@@ -4767,8 +5026,8 @@
         </p:blipFill>
         <p:spPr bwMode="auto">
           <a:xfrm>
-            <a:off x="3657600" y="152401"/>
-            <a:ext cx="5349875" cy="4148666"/>
+            <a:off x="4495800" y="381000"/>
+            <a:ext cx="3811587" cy="3888990"/>
           </a:xfrm>
           <a:prstGeom prst="rect">
             <a:avLst/>
@@ -4784,14 +5043,14 @@
             </a:outerShdw>
           </a:effectLst>
           <a:extLst>
-            <a:ext uri="{909E8E84-426E-40dd-AFC4-6F175D3DCCD1}">
+            <a:ext uri="{909E8E84-426E-40DD-AFC4-6F175D3DCCD1}">
               <a14:hiddenFill xmlns:a14="http://schemas.microsoft.com/office/drawing/2010/main">
                 <a:solidFill>
                   <a:schemeClr val="accent1"/>
                 </a:solidFill>
               </a14:hiddenFill>
             </a:ext>
-            <a:ext uri="{91240B29-F687-4f45-9708-019B960494DF}">
+            <a:ext uri="{91240B29-F687-4F45-9708-019B960494DF}">
               <a14:hiddenLine xmlns:a14="http://schemas.microsoft.com/office/drawing/2010/main" w="9525">
                 <a:solidFill>
                   <a:schemeClr val="tx1"/>
@@ -4804,92 +5063,6 @@
           </a:extLst>
         </p:spPr>
       </p:pic>
-      <p:sp>
-        <p:nvSpPr>
-          <p:cNvPr id="7" name="Date Placeholder 6"/>
-          <p:cNvSpPr>
-            <a:spLocks noGrp="1"/>
-          </p:cNvSpPr>
-          <p:nvPr>
-            <p:ph type="dt" sz="half" idx="10"/>
-          </p:nvPr>
-        </p:nvSpPr>
-        <p:spPr/>
-        <p:txBody>
-          <a:bodyPr/>
-          <a:lstStyle/>
-          <a:p>
-            <a:r>
-              <a:rPr lang="en-US" smtClean="0"/>
-              <a:t>4/28/2014</a:t>
-            </a:r>
-            <a:endParaRPr lang="en-US" dirty="0"/>
-          </a:p>
-        </p:txBody>
-      </p:sp>
-      <p:sp>
-        <p:nvSpPr>
-          <p:cNvPr id="8" name="Footer Placeholder 7"/>
-          <p:cNvSpPr>
-            <a:spLocks noGrp="1"/>
-          </p:cNvSpPr>
-          <p:nvPr>
-            <p:ph type="ftr" sz="quarter" idx="11"/>
-          </p:nvPr>
-        </p:nvSpPr>
-        <p:spPr/>
-        <p:txBody>
-          <a:bodyPr/>
-          <a:lstStyle/>
-          <a:p>
-            <a:r>
-              <a:rPr lang="en-US" dirty="0"/>
-              <a:t>guitariffic </a:t>
-            </a:r>
-            <a:r>
-              <a:rPr lang="en-US" dirty="0" smtClean="0"/>
-              <a:t>| </a:t>
-            </a:r>
-            <a:r>
-              <a:rPr lang="en-US" dirty="0" err="1" smtClean="0"/>
-              <a:t>ryszard</a:t>
-            </a:r>
-            <a:r>
-              <a:rPr lang="en-US" dirty="0" smtClean="0"/>
-              <a:t> </a:t>
-            </a:r>
-            <a:r>
-              <a:rPr lang="en-US" dirty="0" err="1" smtClean="0"/>
-              <a:t>kilarski</a:t>
-            </a:r>
-            <a:endParaRPr lang="en-US" dirty="0"/>
-          </a:p>
-        </p:txBody>
-      </p:sp>
-      <p:sp>
-        <p:nvSpPr>
-          <p:cNvPr id="9" name="Slide Number Placeholder 8"/>
-          <p:cNvSpPr>
-            <a:spLocks noGrp="1"/>
-          </p:cNvSpPr>
-          <p:nvPr>
-            <p:ph type="sldNum" sz="quarter" idx="12"/>
-          </p:nvPr>
-        </p:nvSpPr>
-        <p:spPr/>
-        <p:txBody>
-          <a:bodyPr/>
-          <a:lstStyle/>
-          <a:p>
-            <a:fld id="{B6F15528-21DE-4FAA-801E-634DDDAF4B2B}" type="slidenum">
-              <a:rPr lang="en-US" smtClean="0"/>
-              <a:pPr/>
-              <a:t>5</a:t>
-            </a:fld>
-            <a:endParaRPr lang="en-US"/>
-          </a:p>
-        </p:txBody>
-      </p:sp>
     </p:spTree>
     <p:extLst>
       <p:ext uri="{BB962C8B-B14F-4D97-AF65-F5344CB8AC3E}">
@@ -4903,7 +5076,7 @@
   <p:timing>
     <p:tnLst>
       <p:par>
-        <p:cTn xmlns:p14="http://schemas.microsoft.com/office/powerpoint/2010/main" id="1" dur="indefinite" restart="never" nodeType="tmRoot"/>
+        <p:cTn id="1" dur="indefinite" restart="never" nodeType="tmRoot"/>
       </p:par>
     </p:tnLst>
   </p:timing>
@@ -4939,20 +5112,22 @@
         </p:nvSpPr>
         <p:spPr/>
         <p:txBody>
-          <a:bodyPr/>
+          <a:bodyPr>
+            <a:normAutofit/>
+          </a:bodyPr>
           <a:lstStyle/>
           <a:p>
             <a:r>
               <a:rPr lang="en-US" dirty="0" smtClean="0"/>
-              <a:t>Flickr Images </a:t>
+              <a:t>Rotating background Images </a:t>
             </a:r>
             <a:r>
               <a:rPr lang="en-US" dirty="0" smtClean="0"/>
-              <a:t>for </a:t>
+              <a:t>based on </a:t>
             </a:r>
             <a:r>
               <a:rPr lang="en-US" dirty="0" smtClean="0"/>
-              <a:t>background</a:t>
+              <a:t>song/artist</a:t>
             </a:r>
             <a:endParaRPr lang="en-US" dirty="0"/>
           </a:p>
@@ -4973,7 +5148,15 @@
           <a:bodyPr/>
           <a:lstStyle/>
           <a:p>
-            <a:endParaRPr lang="en-US"/>
+            <a:r>
+              <a:rPr lang="en-US" dirty="0"/>
+              <a:t>i</a:t>
+            </a:r>
+            <a:r>
+              <a:rPr lang="en-US" dirty="0" smtClean="0"/>
+              <a:t>sn’t that cool?</a:t>
+            </a:r>
+            <a:endParaRPr lang="en-US" dirty="0"/>
           </a:p>
         </p:txBody>
       </p:sp>
@@ -5017,14 +5200,14 @@
             </a:outerShdw>
           </a:effectLst>
           <a:extLst>
-            <a:ext uri="{909E8E84-426E-40dd-AFC4-6F175D3DCCD1}">
+            <a:ext uri="{909E8E84-426E-40DD-AFC4-6F175D3DCCD1}">
               <a14:hiddenFill xmlns:a14="http://schemas.microsoft.com/office/drawing/2010/main">
                 <a:solidFill>
                   <a:schemeClr val="accent1"/>
                 </a:solidFill>
               </a14:hiddenFill>
             </a:ext>
-            <a:ext uri="{91240B29-F687-4f45-9708-019B960494DF}">
+            <a:ext uri="{91240B29-F687-4F45-9708-019B960494DF}">
               <a14:hiddenLine xmlns:a14="http://schemas.microsoft.com/office/drawing/2010/main" w="9525">
                 <a:solidFill>
                   <a:schemeClr val="tx1"/>
@@ -5132,7 +5315,7 @@
   <p:timing>
     <p:tnLst>
       <p:par>
-        <p:cTn xmlns:p14="http://schemas.microsoft.com/office/powerpoint/2010/main" id="1" dur="indefinite" restart="never" nodeType="tmRoot"/>
+        <p:cTn id="1" dur="indefinite" restart="never" nodeType="tmRoot"/>
       </p:par>
     </p:tnLst>
   </p:timing>
@@ -5173,7 +5356,7 @@
           <a:p>
             <a:r>
               <a:rPr lang="en-US" dirty="0" smtClean="0"/>
-              <a:t>Flickr services</a:t>
+              <a:t>Available services</a:t>
             </a:r>
             <a:endParaRPr lang="en-US" dirty="0"/>
           </a:p>
@@ -5194,7 +5377,21 @@
           <a:bodyPr/>
           <a:lstStyle/>
           <a:p>
-            <a:endParaRPr lang="en-US"/>
+            <a:r>
+              <a:rPr lang="en-US" dirty="0" smtClean="0"/>
+              <a:t>whole song services</a:t>
+            </a:r>
+          </a:p>
+          <a:p>
+            <a:r>
+              <a:rPr lang="en-US" dirty="0"/>
+              <a:t>g</a:t>
+            </a:r>
+            <a:r>
+              <a:rPr lang="en-US" dirty="0" smtClean="0"/>
+              <a:t>uitar chart services</a:t>
+            </a:r>
+            <a:endParaRPr lang="en-US" dirty="0"/>
           </a:p>
         </p:txBody>
       </p:sp>
@@ -5206,7 +5403,7 @@
         </p:nvSpPr>
         <p:spPr>
           <a:xfrm>
-            <a:off x="2966258" y="838200"/>
+            <a:off x="3271058" y="865909"/>
             <a:ext cx="2590800" cy="762000"/>
           </a:xfrm>
           <a:prstGeom prst="roundRect">
@@ -5260,7 +5457,7 @@
         </p:nvSpPr>
         <p:spPr>
           <a:xfrm>
-            <a:off x="2981498" y="1752600"/>
+            <a:off x="3286298" y="1780309"/>
             <a:ext cx="2590800" cy="762000"/>
           </a:xfrm>
           <a:prstGeom prst="roundRect">
@@ -5308,7 +5505,7 @@
         </p:nvSpPr>
         <p:spPr>
           <a:xfrm>
-            <a:off x="6019800" y="838200"/>
+            <a:off x="6324600" y="865909"/>
             <a:ext cx="2590800" cy="762000"/>
           </a:xfrm>
           <a:prstGeom prst="roundRect">
@@ -5348,93 +5545,13 @@
       </p:sp>
       <p:sp>
         <p:nvSpPr>
-          <p:cNvPr id="8" name="Left-Right Arrow 7"/>
-          <p:cNvSpPr/>
-          <p:nvPr/>
-        </p:nvSpPr>
-        <p:spPr>
-          <a:xfrm>
-            <a:off x="2590800" y="1295400"/>
-            <a:ext cx="390698" cy="76200"/>
-          </a:xfrm>
-          <a:prstGeom prst="leftRightArrow">
-            <a:avLst/>
-          </a:prstGeom>
-        </p:spPr>
-        <p:style>
-          <a:lnRef idx="2">
-            <a:schemeClr val="accent1">
-              <a:shade val="50000"/>
-            </a:schemeClr>
-          </a:lnRef>
-          <a:fillRef idx="1">
-            <a:schemeClr val="accent1"/>
-          </a:fillRef>
-          <a:effectRef idx="0">
-            <a:schemeClr val="accent1"/>
-          </a:effectRef>
-          <a:fontRef idx="minor">
-            <a:schemeClr val="lt1"/>
-          </a:fontRef>
-        </p:style>
-        <p:txBody>
-          <a:bodyPr rtlCol="0" anchor="ctr"/>
-          <a:lstStyle/>
-          <a:p>
-            <a:pPr algn="ctr"/>
-            <a:endParaRPr lang="en-US"/>
-          </a:p>
-        </p:txBody>
-      </p:sp>
-      <p:sp>
-        <p:nvSpPr>
           <p:cNvPr id="9" name="Left-Right Arrow 8"/>
           <p:cNvSpPr/>
           <p:nvPr/>
         </p:nvSpPr>
         <p:spPr>
           <a:xfrm>
-            <a:off x="5619404" y="1246909"/>
-            <a:ext cx="390698" cy="76200"/>
-          </a:xfrm>
-          <a:prstGeom prst="leftRightArrow">
-            <a:avLst/>
-          </a:prstGeom>
-        </p:spPr>
-        <p:style>
-          <a:lnRef idx="2">
-            <a:schemeClr val="accent1">
-              <a:shade val="50000"/>
-            </a:schemeClr>
-          </a:lnRef>
-          <a:fillRef idx="1">
-            <a:schemeClr val="accent1"/>
-          </a:fillRef>
-          <a:effectRef idx="0">
-            <a:schemeClr val="accent1"/>
-          </a:effectRef>
-          <a:fontRef idx="minor">
-            <a:schemeClr val="lt1"/>
-          </a:fontRef>
-        </p:style>
-        <p:txBody>
-          <a:bodyPr rtlCol="0" anchor="ctr"/>
-          <a:lstStyle/>
-          <a:p>
-            <a:pPr algn="ctr"/>
-            <a:endParaRPr lang="en-US"/>
-          </a:p>
-        </p:txBody>
-      </p:sp>
-      <p:sp>
-        <p:nvSpPr>
-          <p:cNvPr id="10" name="Left-Right Arrow 9"/>
-          <p:cNvSpPr/>
-          <p:nvPr/>
-        </p:nvSpPr>
-        <p:spPr>
-          <a:xfrm>
-            <a:off x="2590800" y="2057400"/>
+            <a:off x="5924204" y="1274618"/>
             <a:ext cx="390698" cy="76200"/>
           </a:xfrm>
           <a:prstGeom prst="leftRightArrow">
@@ -5489,8 +5606,8 @@
         </p:blipFill>
         <p:spPr bwMode="auto">
           <a:xfrm>
-            <a:off x="237946" y="806334"/>
-            <a:ext cx="2352854" cy="1824567"/>
+            <a:off x="155055" y="533401"/>
+            <a:ext cx="2740545" cy="2125210"/>
           </a:xfrm>
           <a:prstGeom prst="rect">
             <a:avLst/>
@@ -5506,14 +5623,14 @@
             </a:outerShdw>
           </a:effectLst>
           <a:extLst>
-            <a:ext uri="{909E8E84-426E-40dd-AFC4-6F175D3DCCD1}">
+            <a:ext uri="{909E8E84-426E-40DD-AFC4-6F175D3DCCD1}">
               <a14:hiddenFill xmlns:a14="http://schemas.microsoft.com/office/drawing/2010/main">
                 <a:solidFill>
                   <a:schemeClr val="accent1"/>
                 </a:solidFill>
               </a14:hiddenFill>
             </a:ext>
-            <a:ext uri="{91240B29-F687-4f45-9708-019B960494DF}">
+            <a:ext uri="{91240B29-F687-4F45-9708-019B960494DF}">
               <a14:hiddenLine xmlns:a14="http://schemas.microsoft.com/office/drawing/2010/main" w="9525">
                 <a:solidFill>
                   <a:schemeClr val="tx1"/>
@@ -5604,6 +5721,82 @@
               <a:pPr/>
               <a:t>7</a:t>
             </a:fld>
+            <a:endParaRPr lang="en-US"/>
+          </a:p>
+        </p:txBody>
+      </p:sp>
+      <p:sp>
+        <p:nvSpPr>
+          <p:cNvPr id="8" name="Left-Right Arrow 7"/>
+          <p:cNvSpPr/>
+          <p:nvPr/>
+        </p:nvSpPr>
+        <p:spPr>
+          <a:xfrm>
+            <a:off x="1600200" y="1246909"/>
+            <a:ext cx="1686098" cy="152399"/>
+          </a:xfrm>
+          <a:prstGeom prst="leftRightArrow">
+            <a:avLst/>
+          </a:prstGeom>
+        </p:spPr>
+        <p:style>
+          <a:lnRef idx="1">
+            <a:schemeClr val="accent3"/>
+          </a:lnRef>
+          <a:fillRef idx="2">
+            <a:schemeClr val="accent3"/>
+          </a:fillRef>
+          <a:effectRef idx="1">
+            <a:schemeClr val="accent3"/>
+          </a:effectRef>
+          <a:fontRef idx="minor">
+            <a:schemeClr val="dk1"/>
+          </a:fontRef>
+        </p:style>
+        <p:txBody>
+          <a:bodyPr rtlCol="0" anchor="ctr"/>
+          <a:lstStyle/>
+          <a:p>
+            <a:pPr algn="ctr"/>
+            <a:endParaRPr lang="en-US"/>
+          </a:p>
+        </p:txBody>
+      </p:sp>
+      <p:sp>
+        <p:nvSpPr>
+          <p:cNvPr id="10" name="Left-Right Arrow 9"/>
+          <p:cNvSpPr/>
+          <p:nvPr/>
+        </p:nvSpPr>
+        <p:spPr>
+          <a:xfrm>
+            <a:off x="2743200" y="1981200"/>
+            <a:ext cx="543098" cy="180109"/>
+          </a:xfrm>
+          <a:prstGeom prst="leftRightArrow">
+            <a:avLst/>
+          </a:prstGeom>
+        </p:spPr>
+        <p:style>
+          <a:lnRef idx="1">
+            <a:schemeClr val="accent3"/>
+          </a:lnRef>
+          <a:fillRef idx="2">
+            <a:schemeClr val="accent3"/>
+          </a:fillRef>
+          <a:effectRef idx="1">
+            <a:schemeClr val="accent3"/>
+          </a:effectRef>
+          <a:fontRef idx="minor">
+            <a:schemeClr val="dk1"/>
+          </a:fontRef>
+        </p:style>
+        <p:txBody>
+          <a:bodyPr rtlCol="0" anchor="ctr"/>
+          <a:lstStyle/>
+          <a:p>
+            <a:pPr algn="ctr"/>
             <a:endParaRPr lang="en-US"/>
           </a:p>
         </p:txBody>
@@ -5621,7 +5814,7 @@
   <p:timing>
     <p:tnLst>
       <p:par>
-        <p:cTn xmlns:p14="http://schemas.microsoft.com/office/powerpoint/2010/main" id="1" dur="indefinite" restart="never" nodeType="tmRoot"/>
+        <p:cTn id="1" dur="indefinite" restart="never" nodeType="tmRoot"/>
       </p:par>
     </p:tnLst>
   </p:timing>
@@ -5662,7 +5855,11 @@
           <a:p>
             <a:r>
               <a:rPr lang="en-US" dirty="0" smtClean="0"/>
-              <a:t>Encapsulated image access layer</a:t>
+              <a:t>Encapsulated image access </a:t>
+            </a:r>
+            <a:r>
+              <a:rPr lang="en-US" dirty="0" smtClean="0"/>
+              <a:t>layer from the song service</a:t>
             </a:r>
             <a:endParaRPr lang="en-US" dirty="0"/>
           </a:p>
@@ -5697,11 +5894,7 @@
             </a:r>
             <a:r>
               <a:rPr lang="en-US" dirty="0" smtClean="0"/>
-              <a:t> </a:t>
-            </a:r>
-            <a:r>
-              <a:rPr lang="en-US" dirty="0" smtClean="0"/>
-              <a:t>only, via </a:t>
+              <a:t> only, via </a:t>
             </a:r>
             <a:r>
               <a:rPr lang="en-US" smtClean="0"/>
@@ -5952,12 +6145,6 @@
                 <a:latin typeface="GE Inspira Pitch" panose="020F0603030400020203" pitchFamily="34" charset="0"/>
               </a:rPr>
               <a:t>GoogleImageImpl</a:t>
-            </a:r>
-            <a:r>
-              <a:rPr lang="en-US" dirty="0" smtClean="0">
-                <a:latin typeface="GE Inspira Pitch" panose="020F0603030400020203" pitchFamily="34" charset="0"/>
-              </a:rPr>
-              <a:t> (future?)</a:t>
             </a:r>
             <a:endParaRPr lang="en-US" dirty="0">
               <a:latin typeface="GE Inspira Pitch" panose="020F0603030400020203" pitchFamily="34" charset="0"/>
@@ -6372,7 +6559,7 @@
   <p:timing>
     <p:tnLst>
       <p:par>
-        <p:cTn xmlns:p14="http://schemas.microsoft.com/office/powerpoint/2010/main" id="1" dur="indefinite" restart="never" nodeType="tmRoot"/>
+        <p:cTn id="1" dur="indefinite" restart="never" nodeType="tmRoot"/>
       </p:par>
     </p:tnLst>
   </p:timing>
@@ -6442,6 +6629,19 @@
               <a:rPr lang="en-US" dirty="0" smtClean="0"/>
               <a:t>wap data layer with different scheme; currently implemented in-memory representation of charts and songs</a:t>
             </a:r>
+          </a:p>
+          <a:p>
+            <a:endParaRPr lang="en-US" dirty="0" smtClean="0"/>
+          </a:p>
+          <a:p>
+            <a:r>
+              <a:rPr lang="en-US" dirty="0" smtClean="0"/>
+              <a:t>charts </a:t>
+            </a:r>
+            <a:r>
+              <a:rPr lang="en-US" dirty="0" smtClean="0"/>
+              <a:t>also load a starter set from an xml file</a:t>
+            </a:r>
             <a:endParaRPr lang="en-US" dirty="0"/>
           </a:p>
         </p:txBody>
@@ -6454,8 +6654,8 @@
         </p:nvSpPr>
         <p:spPr>
           <a:xfrm>
-            <a:off x="762000" y="1485900"/>
-            <a:ext cx="1219200" cy="990600"/>
+            <a:off x="152400" y="1647825"/>
+            <a:ext cx="1828800" cy="666749"/>
           </a:xfrm>
           <a:prstGeom prst="roundRect">
             <a:avLst/>
@@ -6483,16 +6683,40 @@
           <a:p>
             <a:pPr algn="ctr"/>
             <a:r>
-              <a:rPr lang="en-US" sz="1200" dirty="0" smtClean="0">
+              <a:rPr lang="en-US" sz="1200" dirty="0" err="1" smtClean="0">
                 <a:latin typeface="GE Inspira Pitch" panose="020F0603030400020203" pitchFamily="34" charset="0"/>
               </a:rPr>
-              <a:t>*</a:t>
+              <a:t>GuitarChart</a:t>
             </a:r>
             <a:r>
               <a:rPr lang="en-US" sz="1200" dirty="0" err="1" smtClean="0">
                 <a:latin typeface="GE Inspira Pitch" panose="020F0603030400020203" pitchFamily="34" charset="0"/>
               </a:rPr>
               <a:t>ServiceImpl</a:t>
+            </a:r>
+            <a:endParaRPr lang="en-US" sz="1200" dirty="0" smtClean="0">
+              <a:latin typeface="GE Inspira Pitch" panose="020F0603030400020203" pitchFamily="34" charset="0"/>
+            </a:endParaRPr>
+          </a:p>
+          <a:p>
+            <a:pPr algn="ctr"/>
+            <a:r>
+              <a:rPr lang="en-US" sz="1000" dirty="0" smtClean="0">
+                <a:latin typeface="GE Inspira Pitch" panose="020F0603030400020203" pitchFamily="34" charset="0"/>
+              </a:rPr>
+              <a:t>(or </a:t>
+            </a:r>
+            <a:r>
+              <a:rPr lang="en-US" sz="1000" dirty="0" err="1" smtClean="0">
+                <a:latin typeface="GE Inspira Pitch" panose="020F0603030400020203" pitchFamily="34" charset="0"/>
+              </a:rPr>
+              <a:t>SongServiceImpl</a:t>
+            </a:r>
+            <a:r>
+              <a:rPr lang="en-US" sz="1000" dirty="0" smtClean="0">
+                <a:latin typeface="GE Inspira Pitch" panose="020F0603030400020203" pitchFamily="34" charset="0"/>
+              </a:rPr>
+              <a:t>)</a:t>
             </a:r>
             <a:endParaRPr lang="en-US" sz="1200" dirty="0">
               <a:latin typeface="GE Inspira Pitch" panose="020F0603030400020203" pitchFamily="34" charset="0"/>
@@ -6552,7 +6776,28 @@
               </a:rPr>
               <a:t>&gt;&gt;</a:t>
             </a:r>
-            <a:endParaRPr lang="en-US" sz="1600" dirty="0">
+          </a:p>
+          <a:p>
+            <a:pPr algn="ctr"/>
+            <a:r>
+              <a:rPr lang="en-US" sz="1100" dirty="0" smtClean="0">
+                <a:latin typeface="GE Inspira Pitch" panose="020F0603030400020203" pitchFamily="34" charset="0"/>
+              </a:rPr>
+              <a:t>(or &lt;&lt;</a:t>
+            </a:r>
+            <a:r>
+              <a:rPr lang="en-US" sz="1100" dirty="0" err="1" smtClean="0">
+                <a:latin typeface="GE Inspira Pitch" panose="020F0603030400020203" pitchFamily="34" charset="0"/>
+              </a:rPr>
+              <a:t>SongDBHelper</a:t>
+            </a:r>
+            <a:r>
+              <a:rPr lang="en-US" sz="1100" dirty="0" smtClean="0">
+                <a:latin typeface="GE Inspira Pitch" panose="020F0603030400020203" pitchFamily="34" charset="0"/>
+              </a:rPr>
+              <a:t>&gt;&gt;)</a:t>
+            </a:r>
+            <a:endParaRPr lang="en-US" sz="1100" dirty="0">
               <a:latin typeface="GE Inspira Pitch" panose="020F0603030400020203" pitchFamily="34" charset="0"/>
             </a:endParaRPr>
           </a:p>
@@ -6600,6 +6845,30 @@
               </a:rPr>
               <a:t>GuitarChartMemoryDBImpl</a:t>
             </a:r>
+            <a:endParaRPr lang="en-US" dirty="0" smtClean="0">
+              <a:latin typeface="GE Inspira Pitch" panose="020F0603030400020203" pitchFamily="34" charset="0"/>
+            </a:endParaRPr>
+          </a:p>
+          <a:p>
+            <a:pPr algn="ctr"/>
+            <a:r>
+              <a:rPr lang="en-US" sz="1200" dirty="0" smtClean="0">
+                <a:latin typeface="GE Inspira Pitch" panose="020F0603030400020203" pitchFamily="34" charset="0"/>
+              </a:rPr>
+              <a:t>(or </a:t>
+            </a:r>
+            <a:r>
+              <a:rPr lang="en-US" sz="1200" dirty="0" err="1" smtClean="0">
+                <a:latin typeface="GE Inspira Pitch" panose="020F0603030400020203" pitchFamily="34" charset="0"/>
+              </a:rPr>
+              <a:t>SongMemoryDBImpl</a:t>
+            </a:r>
+            <a:r>
+              <a:rPr lang="en-US" sz="1200" dirty="0" smtClean="0">
+                <a:latin typeface="GE Inspira Pitch" panose="020F0603030400020203" pitchFamily="34" charset="0"/>
+              </a:rPr>
+              <a:t>)</a:t>
+            </a:r>
             <a:endParaRPr lang="en-US" dirty="0">
               <a:latin typeface="GE Inspira Pitch" panose="020F0603030400020203" pitchFamily="34" charset="0"/>
             </a:endParaRPr>
@@ -6694,7 +6963,31 @@
               </a:rPr>
               <a:t>GuitarChartSqlDBImpl</a:t>
             </a:r>
-            <a:endParaRPr lang="en-US" dirty="0">
+            <a:endParaRPr lang="en-US" dirty="0" smtClean="0">
+              <a:latin typeface="GE Inspira Pitch" panose="020F0603030400020203" pitchFamily="34" charset="0"/>
+            </a:endParaRPr>
+          </a:p>
+          <a:p>
+            <a:pPr algn="ctr"/>
+            <a:r>
+              <a:rPr lang="en-US" sz="1200" dirty="0" smtClean="0">
+                <a:latin typeface="GE Inspira Pitch" panose="020F0603030400020203" pitchFamily="34" charset="0"/>
+              </a:rPr>
+              <a:t>(or </a:t>
+            </a:r>
+            <a:r>
+              <a:rPr lang="en-US" sz="1200" dirty="0" err="1" smtClean="0">
+                <a:latin typeface="GE Inspira Pitch" panose="020F0603030400020203" pitchFamily="34" charset="0"/>
+              </a:rPr>
+              <a:t>SongSqlDBImpl</a:t>
+            </a:r>
+            <a:r>
+              <a:rPr lang="en-US" sz="1200" dirty="0" smtClean="0">
+                <a:latin typeface="GE Inspira Pitch" panose="020F0603030400020203" pitchFamily="34" charset="0"/>
+              </a:rPr>
+              <a:t>)</a:t>
+            </a:r>
+            <a:endParaRPr lang="en-US" sz="1200" dirty="0">
               <a:latin typeface="GE Inspira Pitch" panose="020F0603030400020203" pitchFamily="34" charset="0"/>
             </a:endParaRPr>
           </a:p>
@@ -7025,7 +7318,7 @@
   <p:timing>
     <p:tnLst>
       <p:par>
-        <p:cTn xmlns:p14="http://schemas.microsoft.com/office/powerpoint/2010/main" id="1" dur="indefinite" restart="never" nodeType="tmRoot"/>
+        <p:cTn id="1" dur="indefinite" restart="never" nodeType="tmRoot"/>
       </p:par>
     </p:tnLst>
   </p:timing>
